--- a/Разработка новостного сайта Alpha-News.pptx
+++ b/Разработка новостного сайта Alpha-News.pptx
@@ -8,14 +8,19 @@
     <p:sldId id="256" r:id="rId2"/>
     <p:sldId id="257" r:id="rId3"/>
     <p:sldId id="258" r:id="rId4"/>
-    <p:sldId id="284" r:id="rId5"/>
-    <p:sldId id="285" r:id="rId6"/>
-    <p:sldId id="259" r:id="rId7"/>
-    <p:sldId id="262" r:id="rId8"/>
-    <p:sldId id="263" r:id="rId9"/>
-    <p:sldId id="264" r:id="rId10"/>
-    <p:sldId id="286" r:id="rId11"/>
-    <p:sldId id="287" r:id="rId12"/>
+    <p:sldId id="285" r:id="rId5"/>
+    <p:sldId id="259" r:id="rId6"/>
+    <p:sldId id="262" r:id="rId7"/>
+    <p:sldId id="287" r:id="rId8"/>
+    <p:sldId id="288" r:id="rId9"/>
+    <p:sldId id="289" r:id="rId10"/>
+    <p:sldId id="290" r:id="rId11"/>
+    <p:sldId id="291" r:id="rId12"/>
+    <p:sldId id="292" r:id="rId13"/>
+    <p:sldId id="293" r:id="rId14"/>
+    <p:sldId id="294" r:id="rId15"/>
+    <p:sldId id="264" r:id="rId16"/>
+    <p:sldId id="286" r:id="rId17"/>
   </p:sldIdLst>
   <p:sldSz cx="12192000" cy="6858000"/>
   <p:notesSz cx="6858000" cy="9144000"/>
@@ -280,7 +285,7 @@
           <a:p>
             <a:fld id="{D77087B7-F056-40BA-9720-6A504D4CE512}" type="datetimeFigureOut">
               <a:rPr lang="ru-RU" smtClean="0"/>
-              <a:t>27.04.2024</a:t>
+              <a:t>30.04.2024</a:t>
             </a:fld>
             <a:endParaRPr lang="ru-RU"/>
           </a:p>
@@ -478,7 +483,7 @@
           <a:p>
             <a:fld id="{D77087B7-F056-40BA-9720-6A504D4CE512}" type="datetimeFigureOut">
               <a:rPr lang="ru-RU" smtClean="0"/>
-              <a:t>27.04.2024</a:t>
+              <a:t>30.04.2024</a:t>
             </a:fld>
             <a:endParaRPr lang="ru-RU"/>
           </a:p>
@@ -686,7 +691,7 @@
           <a:p>
             <a:fld id="{D77087B7-F056-40BA-9720-6A504D4CE512}" type="datetimeFigureOut">
               <a:rPr lang="ru-RU" smtClean="0"/>
-              <a:t>27.04.2024</a:t>
+              <a:t>30.04.2024</a:t>
             </a:fld>
             <a:endParaRPr lang="ru-RU"/>
           </a:p>
@@ -884,7 +889,7 @@
           <a:p>
             <a:fld id="{D77087B7-F056-40BA-9720-6A504D4CE512}" type="datetimeFigureOut">
               <a:rPr lang="ru-RU" smtClean="0"/>
-              <a:t>27.04.2024</a:t>
+              <a:t>30.04.2024</a:t>
             </a:fld>
             <a:endParaRPr lang="ru-RU"/>
           </a:p>
@@ -1159,7 +1164,7 @@
           <a:p>
             <a:fld id="{D77087B7-F056-40BA-9720-6A504D4CE512}" type="datetimeFigureOut">
               <a:rPr lang="ru-RU" smtClean="0"/>
-              <a:t>27.04.2024</a:t>
+              <a:t>30.04.2024</a:t>
             </a:fld>
             <a:endParaRPr lang="ru-RU"/>
           </a:p>
@@ -1424,7 +1429,7 @@
           <a:p>
             <a:fld id="{D77087B7-F056-40BA-9720-6A504D4CE512}" type="datetimeFigureOut">
               <a:rPr lang="ru-RU" smtClean="0"/>
-              <a:t>27.04.2024</a:t>
+              <a:t>30.04.2024</a:t>
             </a:fld>
             <a:endParaRPr lang="ru-RU"/>
           </a:p>
@@ -1836,7 +1841,7 @@
           <a:p>
             <a:fld id="{D77087B7-F056-40BA-9720-6A504D4CE512}" type="datetimeFigureOut">
               <a:rPr lang="ru-RU" smtClean="0"/>
-              <a:t>27.04.2024</a:t>
+              <a:t>30.04.2024</a:t>
             </a:fld>
             <a:endParaRPr lang="ru-RU"/>
           </a:p>
@@ -1977,7 +1982,7 @@
           <a:p>
             <a:fld id="{D77087B7-F056-40BA-9720-6A504D4CE512}" type="datetimeFigureOut">
               <a:rPr lang="ru-RU" smtClean="0"/>
-              <a:t>27.04.2024</a:t>
+              <a:t>30.04.2024</a:t>
             </a:fld>
             <a:endParaRPr lang="ru-RU"/>
           </a:p>
@@ -2090,7 +2095,7 @@
           <a:p>
             <a:fld id="{D77087B7-F056-40BA-9720-6A504D4CE512}" type="datetimeFigureOut">
               <a:rPr lang="ru-RU" smtClean="0"/>
-              <a:t>27.04.2024</a:t>
+              <a:t>30.04.2024</a:t>
             </a:fld>
             <a:endParaRPr lang="ru-RU"/>
           </a:p>
@@ -2401,7 +2406,7 @@
           <a:p>
             <a:fld id="{D77087B7-F056-40BA-9720-6A504D4CE512}" type="datetimeFigureOut">
               <a:rPr lang="ru-RU" smtClean="0"/>
-              <a:t>27.04.2024</a:t>
+              <a:t>30.04.2024</a:t>
             </a:fld>
             <a:endParaRPr lang="ru-RU"/>
           </a:p>
@@ -2689,7 +2694,7 @@
           <a:p>
             <a:fld id="{D77087B7-F056-40BA-9720-6A504D4CE512}" type="datetimeFigureOut">
               <a:rPr lang="ru-RU" smtClean="0"/>
-              <a:t>27.04.2024</a:t>
+              <a:t>30.04.2024</a:t>
             </a:fld>
             <a:endParaRPr lang="ru-RU"/>
           </a:p>
@@ -2930,7 +2935,7 @@
           <a:p>
             <a:fld id="{D77087B7-F056-40BA-9720-6A504D4CE512}" type="datetimeFigureOut">
               <a:rPr lang="ru-RU" smtClean="0"/>
-              <a:t>27.04.2024</a:t>
+              <a:t>30.04.2024</a:t>
             </a:fld>
             <a:endParaRPr lang="ru-RU"/>
           </a:p>
@@ -3376,8 +3381,8 @@
         </p:nvSpPr>
         <p:spPr>
           <a:xfrm>
-            <a:off x="1524000" y="336430"/>
-            <a:ext cx="9144000" cy="1975450"/>
+            <a:off x="582705" y="712948"/>
+            <a:ext cx="11035554" cy="3092570"/>
           </a:xfrm>
         </p:spPr>
         <p:txBody>
@@ -3386,19 +3391,16 @@
           </a:bodyPr>
           <a:lstStyle/>
           <a:p>
-            <a:pPr algn="ctr">
+            <a:pPr>
               <a:lnSpc>
-                <a:spcPct val="150000"/>
+                <a:spcPts val="4000"/>
               </a:lnSpc>
               <a:spcBef>
-                <a:spcPts val="8400"/>
+                <a:spcPts val="0"/>
               </a:spcBef>
-              <a:spcAft>
-                <a:spcPts val="800"/>
-              </a:spcAft>
             </a:pPr>
             <a:r>
-              <a:rPr lang="ru-RU" sz="3100" b="1" kern="100" dirty="0">
+              <a:rPr lang="ru-RU" sz="4000" b="1" kern="100" dirty="0">
                 <a:solidFill>
                   <a:schemeClr val="bg1"/>
                 </a:solidFill>
@@ -3419,7 +3421,7 @@
               </a:rPr>
             </a:br>
             <a:r>
-              <a:rPr lang="ru-RU" sz="1800" kern="100" dirty="0">
+              <a:rPr lang="ru-RU" sz="3100" kern="100" dirty="0">
                 <a:solidFill>
                   <a:schemeClr val="bg1"/>
                 </a:solidFill>
@@ -3431,7 +3433,7 @@
               <a:t>Курсовой проект по учебной дисциплине</a:t>
             </a:r>
             <a:br>
-              <a:rPr lang="ru-RU" sz="1800" kern="100" dirty="0">
+              <a:rPr lang="ru-RU" sz="3100" kern="100" dirty="0">
                 <a:solidFill>
                   <a:schemeClr val="bg1"/>
                 </a:solidFill>
@@ -3442,7 +3444,7 @@
               </a:rPr>
             </a:br>
             <a:r>
-              <a:rPr lang="ru-RU" sz="1800" kern="100" dirty="0">
+              <a:rPr lang="ru-RU" sz="3100" kern="100" dirty="0">
                 <a:solidFill>
                   <a:schemeClr val="bg1"/>
                 </a:solidFill>
@@ -3454,7 +3456,7 @@
               <a:t>“Разработка кода информационных систем”</a:t>
             </a:r>
             <a:br>
-              <a:rPr lang="ru-RU" sz="1800" kern="100" dirty="0">
+              <a:rPr lang="ru-RU" sz="3100" kern="100" dirty="0">
                 <a:solidFill>
                   <a:schemeClr val="bg1"/>
                 </a:solidFill>
@@ -3465,7 +3467,7 @@
               </a:rPr>
             </a:br>
             <a:r>
-              <a:rPr lang="ru-RU" sz="1800" kern="100" dirty="0">
+              <a:rPr lang="ru-RU" sz="3100" kern="100" dirty="0">
                 <a:solidFill>
                   <a:schemeClr val="bg1"/>
                 </a:solidFill>
@@ -3477,7 +3479,7 @@
               <a:t>По специальности 09.02.07 “Информационные системы и программирование”</a:t>
             </a:r>
             <a:br>
-              <a:rPr lang="ru-RU" sz="1800" kern="100" dirty="0">
+              <a:rPr lang="ru-RU" sz="3100" kern="100" dirty="0">
                 <a:solidFill>
                   <a:schemeClr val="bg1"/>
                 </a:solidFill>
@@ -3488,7 +3490,7 @@
               </a:rPr>
             </a:br>
             <a:r>
-              <a:rPr lang="ru-RU" sz="1800" kern="100" dirty="0">
+              <a:rPr lang="ru-RU" sz="3100" kern="100" dirty="0">
                 <a:solidFill>
                   <a:schemeClr val="bg1"/>
                 </a:solidFill>
@@ -3516,8 +3518,8 @@
         </p:nvSpPr>
         <p:spPr>
           <a:xfrm>
-            <a:off x="185467" y="5665791"/>
-            <a:ext cx="7526547" cy="1015663"/>
+            <a:off x="172020" y="5517873"/>
+            <a:ext cx="8393757" cy="1200329"/>
           </a:xfrm>
           <a:prstGeom prst="rect">
             <a:avLst/>
@@ -3531,7 +3533,7 @@
           <a:lstStyle/>
           <a:p>
             <a:r>
-              <a:rPr lang="ru-RU" sz="2000" dirty="0">
+              <a:rPr lang="ru-RU" sz="2400" dirty="0">
                 <a:solidFill>
                   <a:schemeClr val="bg1"/>
                 </a:solidFill>
@@ -3541,7 +3543,7 @@
               <a:t>ФИО</a:t>
             </a:r>
             <a:r>
-              <a:rPr lang="en-US" sz="2000" dirty="0">
+              <a:rPr lang="en-US" sz="2400" dirty="0">
                 <a:solidFill>
                   <a:schemeClr val="bg1"/>
                 </a:solidFill>
@@ -3551,16 +3553,36 @@
               <a:t>:</a:t>
             </a:r>
             <a:r>
-              <a:rPr lang="ru-RU" sz="2000" dirty="0">
+              <a:rPr lang="ru-RU" sz="2400" dirty="0">
                 <a:solidFill>
                   <a:schemeClr val="bg1"/>
                 </a:solidFill>
                 <a:latin typeface="Rubuk"/>
                 <a:cs typeface="Rubik" panose="02000604000000020004"/>
               </a:rPr>
-              <a:t> 			Костив Максим Владимирович</a:t>
-            </a:r>
-            <a:endParaRPr lang="en-US" sz="2000" dirty="0">
+              <a:t> 			</a:t>
+            </a:r>
+            <a:r>
+              <a:rPr lang="en-US" sz="2400" dirty="0">
+                <a:solidFill>
+                  <a:schemeClr val="bg1"/>
+                </a:solidFill>
+                <a:latin typeface="Rubuk"/>
+                <a:cs typeface="Rubik" panose="02000604000000020004"/>
+              </a:rPr>
+              <a:t>	</a:t>
+            </a:r>
+            <a:r>
+              <a:rPr lang="ru-RU" sz="2400" dirty="0">
+                <a:solidFill>
+                  <a:schemeClr val="bg1"/>
+                </a:solidFill>
+                <a:latin typeface="Rubuk"/>
+                <a:cs typeface="Rubik" panose="02000604000000020004"/>
+              </a:rPr>
+              <a:t>Костив Максим Владимирович</a:t>
+            </a:r>
+            <a:endParaRPr lang="en-US" sz="2400" dirty="0">
               <a:solidFill>
                 <a:schemeClr val="bg1"/>
               </a:solidFill>
@@ -3570,7 +3592,7 @@
           </a:p>
           <a:p>
             <a:r>
-              <a:rPr lang="ru-RU" sz="2000" dirty="0">
+              <a:rPr lang="ru-RU" sz="2400" dirty="0">
                 <a:solidFill>
                   <a:schemeClr val="bg1"/>
                 </a:solidFill>
@@ -3580,7 +3602,7 @@
               <a:t>Номер группы</a:t>
             </a:r>
             <a:r>
-              <a:rPr lang="en-US" sz="2000" dirty="0">
+              <a:rPr lang="en-US" sz="2400" dirty="0">
                 <a:solidFill>
                   <a:schemeClr val="bg1"/>
                 </a:solidFill>
@@ -3590,7 +3612,7 @@
               <a:t>:</a:t>
             </a:r>
             <a:r>
-              <a:rPr lang="ru-RU" sz="2000" dirty="0">
+              <a:rPr lang="ru-RU" sz="2400" dirty="0">
                 <a:solidFill>
                   <a:schemeClr val="bg1"/>
                 </a:solidFill>
@@ -3600,7 +3622,7 @@
               <a:t>	</a:t>
             </a:r>
             <a:r>
-              <a:rPr lang="en-US" sz="2000" dirty="0">
+              <a:rPr lang="en-US" sz="2400" dirty="0">
                 <a:solidFill>
                   <a:schemeClr val="bg1"/>
                 </a:solidFill>
@@ -3610,7 +3632,7 @@
               <a:t>	</a:t>
             </a:r>
             <a:r>
-              <a:rPr lang="ru-RU" sz="2000" dirty="0">
+              <a:rPr lang="ru-RU" sz="2400" dirty="0">
                 <a:solidFill>
                   <a:schemeClr val="bg1"/>
                 </a:solidFill>
@@ -3622,7 +3644,7 @@
           </a:p>
           <a:p>
             <a:r>
-              <a:rPr lang="ru-RU" sz="2000" dirty="0">
+              <a:rPr lang="ru-RU" sz="2400" dirty="0">
                 <a:solidFill>
                   <a:schemeClr val="bg1"/>
                 </a:solidFill>
@@ -3632,7 +3654,7 @@
               <a:t>Руководитель</a:t>
             </a:r>
             <a:r>
-              <a:rPr lang="en-US" sz="2000" dirty="0">
+              <a:rPr lang="en-US" sz="2400" dirty="0">
                 <a:solidFill>
                   <a:schemeClr val="bg1"/>
                 </a:solidFill>
@@ -3642,7 +3664,7 @@
               <a:t>:		</a:t>
             </a:r>
             <a:r>
-              <a:rPr lang="ru-RU" sz="2000" dirty="0">
+              <a:rPr lang="ru-RU" sz="2400" dirty="0">
                 <a:solidFill>
                   <a:schemeClr val="bg1"/>
                 </a:solidFill>
@@ -3727,101 +3749,40 @@
                 <a:latin typeface="Rubuk"/>
                 <a:cs typeface="Rubik" panose="02000604000000020004" pitchFamily="2" charset="-79"/>
               </a:rPr>
-              <a:t>Благодарю за внимание!</a:t>
-            </a:r>
-          </a:p>
-        </p:txBody>
-      </p:sp>
-      <p:sp>
-        <p:nvSpPr>
-          <p:cNvPr id="3" name="Объект 2">
-            <a:extLst>
-              <a:ext uri="{FF2B5EF4-FFF2-40B4-BE49-F238E27FC236}">
-                <a16:creationId xmlns:a16="http://schemas.microsoft.com/office/drawing/2014/main" id="{2829555D-D800-4372-EE96-794717F81586}"/>
-              </a:ext>
-            </a:extLst>
-          </p:cNvPr>
-          <p:cNvSpPr>
-            <a:spLocks noGrp="1"/>
-          </p:cNvSpPr>
+              <a:t>Организационная диаграмма</a:t>
+            </a:r>
+          </a:p>
+        </p:txBody>
+      </p:sp>
+      <p:pic>
+        <p:nvPicPr>
+          <p:cNvPr id="6" name="Объект 5">
+            <a:extLst>
+              <a:ext uri="{FF2B5EF4-FFF2-40B4-BE49-F238E27FC236}">
+                <a16:creationId xmlns:a16="http://schemas.microsoft.com/office/drawing/2014/main" id="{6D9645FF-60DA-B48B-EFEA-76D152FD33AB}"/>
+              </a:ext>
+            </a:extLst>
+          </p:cNvPr>
+          <p:cNvPicPr>
+            <a:picLocks noGrp="1" noChangeAspect="1"/>
+          </p:cNvPicPr>
           <p:nvPr>
             <p:ph idx="1"/>
           </p:nvPr>
-        </p:nvSpPr>
-        <p:spPr/>
-        <p:txBody>
-          <a:bodyPr>
-            <a:normAutofit/>
-          </a:bodyPr>
-          <a:lstStyle/>
-          <a:p>
-            <a:pPr marL="0" indent="0">
-              <a:buNone/>
-            </a:pPr>
-            <a:r>
-              <a:rPr lang="ru-RU" sz="2400" dirty="0">
-                <a:solidFill>
-                  <a:schemeClr val="bg1"/>
-                </a:solidFill>
-              </a:rPr>
-              <a:t>Контактная информация:</a:t>
-            </a:r>
-          </a:p>
-          <a:p>
-            <a:r>
-              <a:rPr lang="ru-RU" sz="2400" dirty="0">
-                <a:solidFill>
-                  <a:schemeClr val="bg1"/>
-                </a:solidFill>
-              </a:rPr>
-              <a:t>Почта</a:t>
-            </a:r>
-            <a:r>
-              <a:rPr lang="en-US" sz="2400" dirty="0">
-                <a:solidFill>
-                  <a:schemeClr val="bg1"/>
-                </a:solidFill>
-              </a:rPr>
-              <a:t>: </a:t>
-            </a:r>
-            <a:r>
-              <a:rPr lang="en-US" sz="2400" dirty="0">
-                <a:solidFill>
-                  <a:schemeClr val="bg1"/>
-                </a:solidFill>
-                <a:hlinkClick r:id="rId2">
-                  <a:extLst>
-                    <a:ext uri="{A12FA001-AC4F-418D-AE19-62706E023703}">
-                      <ahyp:hlinkClr xmlns:ahyp="http://schemas.microsoft.com/office/drawing/2018/hyperlinkcolor" val="tx"/>
-                    </a:ext>
-                  </a:extLst>
-                </a:hlinkClick>
-              </a:rPr>
-              <a:t>kostiv049@gmail.com</a:t>
-            </a:r>
-            <a:endParaRPr lang="en-US" sz="2400" dirty="0">
-              <a:solidFill>
-                <a:schemeClr val="bg1"/>
-              </a:solidFill>
-            </a:endParaRPr>
-          </a:p>
-          <a:p>
-            <a:r>
-              <a:rPr lang="en-US" sz="2400" dirty="0">
-                <a:solidFill>
-                  <a:schemeClr val="bg1"/>
-                </a:solidFill>
-              </a:rPr>
-              <a:t>VK: https://vk.com/maksimkostiv1</a:t>
-            </a:r>
-            <a:endParaRPr lang="ru-RU" sz="2400" dirty="0">
-              <a:solidFill>
-                <a:schemeClr val="bg1"/>
-              </a:solidFill>
-            </a:endParaRPr>
-          </a:p>
-        </p:txBody>
-      </p:sp>
+        </p:nvPicPr>
+        <p:blipFill>
+          <a:blip r:embed="rId2"/>
+          <a:stretch>
+            <a:fillRect/>
+          </a:stretch>
+        </p:blipFill>
+        <p:spPr>
+          <a:xfrm>
+            <a:off x="838200" y="1825625"/>
+            <a:ext cx="10515600" cy="4351338"/>
+          </a:xfrm>
+        </p:spPr>
+      </p:pic>
       <p:sp>
         <p:nvSpPr>
           <p:cNvPr id="5" name="TextBox 4">
@@ -3837,7 +3798,7 @@
         <p:spPr>
           <a:xfrm>
             <a:off x="838200" y="5569545"/>
-            <a:ext cx="7046343" cy="923330"/>
+            <a:ext cx="7046343" cy="369332"/>
           </a:xfrm>
           <a:prstGeom prst="rect">
             <a:avLst/>
@@ -3850,37 +3811,7 @@
           </a:bodyPr>
           <a:lstStyle/>
           <a:p>
-            <a:r>
-              <a:rPr lang="ru-RU" dirty="0">
-                <a:solidFill>
-                  <a:schemeClr val="bg1"/>
-                </a:solidFill>
-                <a:latin typeface="Rubuk"/>
-                <a:cs typeface="Rubik" panose="02000604000000020004"/>
-              </a:rPr>
-              <a:t>Выполнил</a:t>
-            </a:r>
-            <a:r>
-              <a:rPr lang="en-US" sz="1800" dirty="0">
-                <a:solidFill>
-                  <a:schemeClr val="bg1"/>
-                </a:solidFill>
-                <a:latin typeface="Rubuk"/>
-                <a:cs typeface="Rubik" panose="02000604000000020004"/>
-              </a:rPr>
-              <a:t>:</a:t>
-            </a:r>
-            <a:r>
-              <a:rPr lang="ru-RU" sz="1800" dirty="0">
-                <a:solidFill>
-                  <a:schemeClr val="bg1"/>
-                </a:solidFill>
-                <a:latin typeface="Rubuk"/>
-                <a:cs typeface="Rubik" panose="02000604000000020004"/>
-              </a:rPr>
-              <a:t> 		Костив Максим Владимирович</a:t>
-            </a:r>
-            <a:endParaRPr lang="en-US" sz="1800" dirty="0">
+            <a:endParaRPr lang="ru-RU" sz="1800" dirty="0">
               <a:solidFill>
                 <a:schemeClr val="bg1"/>
               </a:solidFill>
@@ -3888,96 +3819,42 @@
               <a:cs typeface="Rubik" panose="02000604000000020004"/>
             </a:endParaRPr>
           </a:p>
-          <a:p>
-            <a:r>
-              <a:rPr lang="ru-RU" dirty="0">
-                <a:solidFill>
-                  <a:schemeClr val="bg1"/>
-                </a:solidFill>
-                <a:latin typeface="Rubuk"/>
-                <a:cs typeface="Rubik" panose="02000604000000020004"/>
-              </a:rPr>
-              <a:t>Группа</a:t>
-            </a:r>
-            <a:r>
-              <a:rPr lang="en-US" sz="1800" dirty="0">
-                <a:solidFill>
-                  <a:schemeClr val="bg1"/>
-                </a:solidFill>
-                <a:latin typeface="Rubuk"/>
-                <a:cs typeface="Rubik" panose="02000604000000020004"/>
-              </a:rPr>
-              <a:t>:</a:t>
-            </a:r>
-            <a:r>
-              <a:rPr lang="ru-RU" sz="1800" dirty="0">
-                <a:solidFill>
-                  <a:schemeClr val="bg1"/>
-                </a:solidFill>
-                <a:latin typeface="Rubuk"/>
-                <a:cs typeface="Rubik" panose="02000604000000020004"/>
-              </a:rPr>
-              <a:t>	</a:t>
-            </a:r>
-            <a:r>
-              <a:rPr lang="en-US" sz="1800" dirty="0">
-                <a:solidFill>
-                  <a:schemeClr val="bg1"/>
-                </a:solidFill>
-                <a:latin typeface="Rubuk"/>
-                <a:cs typeface="Rubik" panose="02000604000000020004"/>
-              </a:rPr>
-              <a:t>	</a:t>
-            </a:r>
-            <a:r>
-              <a:rPr lang="ru-RU" sz="1800" dirty="0">
-                <a:solidFill>
-                  <a:schemeClr val="bg1"/>
-                </a:solidFill>
-                <a:latin typeface="Rubuk"/>
-                <a:cs typeface="Rubik" panose="02000604000000020004"/>
-              </a:rPr>
-              <a:t>	2993</a:t>
-            </a:r>
-          </a:p>
-          <a:p>
-            <a:r>
-              <a:rPr lang="ru-RU" sz="1800" dirty="0">
-                <a:solidFill>
-                  <a:schemeClr val="bg1"/>
-                </a:solidFill>
-                <a:latin typeface="Rubuk"/>
-                <a:cs typeface="Rubik" panose="02000604000000020004"/>
-              </a:rPr>
-              <a:t>Руководитель</a:t>
-            </a:r>
-            <a:r>
-              <a:rPr lang="en-US" sz="1800" dirty="0">
-                <a:solidFill>
-                  <a:schemeClr val="bg1"/>
-                </a:solidFill>
-                <a:latin typeface="Rubuk"/>
-                <a:cs typeface="Rubik" panose="02000604000000020004"/>
-              </a:rPr>
-              <a:t>:		</a:t>
-            </a:r>
-            <a:r>
-              <a:rPr lang="ru-RU" sz="1800" dirty="0">
-                <a:solidFill>
-                  <a:schemeClr val="bg1"/>
-                </a:solidFill>
-                <a:latin typeface="Rubuk"/>
-                <a:cs typeface="Rubik" panose="02000604000000020004"/>
-              </a:rPr>
-              <a:t>Ильин В.Р</a:t>
-            </a:r>
-          </a:p>
-        </p:txBody>
-      </p:sp>
+        </p:txBody>
+      </p:sp>
+      <p:pic>
+        <p:nvPicPr>
+          <p:cNvPr id="4" name="Рисунок 3">
+            <a:extLst>
+              <a:ext uri="{FF2B5EF4-FFF2-40B4-BE49-F238E27FC236}">
+                <a16:creationId xmlns:a16="http://schemas.microsoft.com/office/drawing/2014/main" id="{1C5A60AE-B579-EBCC-B89C-DE5B6B9C7C13}"/>
+              </a:ext>
+            </a:extLst>
+          </p:cNvPr>
+          <p:cNvPicPr>
+            <a:picLocks noChangeAspect="1"/>
+          </p:cNvPicPr>
+          <p:nvPr/>
+        </p:nvPicPr>
+        <p:blipFill>
+          <a:blip r:embed="rId3"/>
+          <a:stretch>
+            <a:fillRect/>
+          </a:stretch>
+        </p:blipFill>
+        <p:spPr>
+          <a:xfrm>
+            <a:off x="838200" y="1825625"/>
+            <a:ext cx="10515600" cy="4351338"/>
+          </a:xfrm>
+          <a:prstGeom prst="rect">
+            <a:avLst/>
+          </a:prstGeom>
+        </p:spPr>
+      </p:pic>
     </p:spTree>
     <p:extLst>
       <p:ext uri="{BB962C8B-B14F-4D97-AF65-F5344CB8AC3E}">
-        <p14:creationId xmlns:p14="http://schemas.microsoft.com/office/powerpoint/2010/main" val="1959921167"/>
+        <p14:creationId xmlns:p14="http://schemas.microsoft.com/office/powerpoint/2010/main" val="1480603708"/>
       </p:ext>
     </p:extLst>
   </p:cSld>
@@ -4040,62 +3917,47 @@
           <a:p>
             <a:pPr algn="ctr"/>
             <a:r>
-              <a:rPr lang="en-US" sz="3600" dirty="0">
+              <a:rPr lang="ru-RU" sz="3600" dirty="0">
                 <a:solidFill>
                   <a:schemeClr val="bg1"/>
                 </a:solidFill>
                 <a:latin typeface="Rubuk"/>
                 <a:cs typeface="Rubik" panose="02000604000000020004" pitchFamily="2" charset="-79"/>
               </a:rPr>
-              <a:t>Idef0-</a:t>
-            </a:r>
-            <a:r>
-              <a:rPr lang="ru-RU" sz="3600" dirty="0">
-                <a:solidFill>
-                  <a:schemeClr val="bg1"/>
-                </a:solidFill>
-                <a:latin typeface="Rubuk"/>
-                <a:cs typeface="Rubik" panose="02000604000000020004" pitchFamily="2" charset="-79"/>
-              </a:rPr>
-              <a:t>диаграмма</a:t>
-            </a:r>
-          </a:p>
-        </p:txBody>
-      </p:sp>
-      <p:sp>
-        <p:nvSpPr>
-          <p:cNvPr id="3" name="Объект 2">
-            <a:extLst>
-              <a:ext uri="{FF2B5EF4-FFF2-40B4-BE49-F238E27FC236}">
-                <a16:creationId xmlns:a16="http://schemas.microsoft.com/office/drawing/2014/main" id="{2829555D-D800-4372-EE96-794717F81586}"/>
-              </a:ext>
-            </a:extLst>
-          </p:cNvPr>
-          <p:cNvSpPr>
-            <a:spLocks noGrp="1"/>
-          </p:cNvSpPr>
+              <a:t>Дизайн главной страницы</a:t>
+            </a:r>
+          </a:p>
+        </p:txBody>
+      </p:sp>
+      <p:pic>
+        <p:nvPicPr>
+          <p:cNvPr id="6" name="Объект 5">
+            <a:extLst>
+              <a:ext uri="{FF2B5EF4-FFF2-40B4-BE49-F238E27FC236}">
+                <a16:creationId xmlns:a16="http://schemas.microsoft.com/office/drawing/2014/main" id="{6D9645FF-60DA-B48B-EFEA-76D152FD33AB}"/>
+              </a:ext>
+            </a:extLst>
+          </p:cNvPr>
+          <p:cNvPicPr>
+            <a:picLocks noGrp="1" noChangeAspect="1"/>
+          </p:cNvPicPr>
           <p:nvPr>
             <p:ph idx="1"/>
           </p:nvPr>
-        </p:nvSpPr>
-        <p:spPr/>
-        <p:txBody>
-          <a:bodyPr>
-            <a:normAutofit/>
-          </a:bodyPr>
-          <a:lstStyle/>
-          <a:p>
-            <a:pPr marL="0" indent="0">
-              <a:buNone/>
-            </a:pPr>
-            <a:endParaRPr lang="ru-RU" sz="2400" dirty="0">
-              <a:solidFill>
-                <a:schemeClr val="bg1"/>
-              </a:solidFill>
-            </a:endParaRPr>
-          </a:p>
-        </p:txBody>
-      </p:sp>
+        </p:nvPicPr>
+        <p:blipFill>
+          <a:blip r:embed="rId2"/>
+          <a:stretch>
+            <a:fillRect/>
+          </a:stretch>
+        </p:blipFill>
+        <p:spPr>
+          <a:xfrm>
+            <a:off x="838200" y="1825625"/>
+            <a:ext cx="10515600" cy="4351338"/>
+          </a:xfrm>
+        </p:spPr>
+      </p:pic>
       <p:sp>
         <p:nvSpPr>
           <p:cNvPr id="5" name="TextBox 4">
@@ -4134,10 +3996,1147 @@
           </a:p>
         </p:txBody>
       </p:sp>
+      <p:pic>
+        <p:nvPicPr>
+          <p:cNvPr id="9" name="Рисунок 8">
+            <a:extLst>
+              <a:ext uri="{FF2B5EF4-FFF2-40B4-BE49-F238E27FC236}">
+                <a16:creationId xmlns:a16="http://schemas.microsoft.com/office/drawing/2014/main" id="{CFAE057B-3E05-20E3-A842-AE26114A0B92}"/>
+              </a:ext>
+            </a:extLst>
+          </p:cNvPr>
+          <p:cNvPicPr>
+            <a:picLocks noChangeAspect="1"/>
+          </p:cNvPicPr>
+          <p:nvPr/>
+        </p:nvPicPr>
+        <p:blipFill>
+          <a:blip r:embed="rId3"/>
+          <a:stretch>
+            <a:fillRect/>
+          </a:stretch>
+        </p:blipFill>
+        <p:spPr>
+          <a:xfrm>
+            <a:off x="838200" y="1825625"/>
+            <a:ext cx="10515600" cy="4351338"/>
+          </a:xfrm>
+          <a:prstGeom prst="rect">
+            <a:avLst/>
+          </a:prstGeom>
+        </p:spPr>
+      </p:pic>
     </p:spTree>
     <p:extLst>
       <p:ext uri="{BB962C8B-B14F-4D97-AF65-F5344CB8AC3E}">
-        <p14:creationId xmlns:p14="http://schemas.microsoft.com/office/powerpoint/2010/main" val="2481980147"/>
+        <p14:creationId xmlns:p14="http://schemas.microsoft.com/office/powerpoint/2010/main" val="111836739"/>
+      </p:ext>
+    </p:extLst>
+  </p:cSld>
+  <p:clrMapOvr>
+    <a:masterClrMapping/>
+  </p:clrMapOvr>
+</p:sld>
+</file>
+
+<file path=ppt/slides/slide12.xml><?xml version="1.0" encoding="utf-8"?>
+<p:sld xmlns:a="http://schemas.openxmlformats.org/drawingml/2006/main" xmlns:r="http://schemas.openxmlformats.org/officeDocument/2006/relationships" xmlns:p="http://schemas.openxmlformats.org/presentationml/2006/main">
+  <p:cSld>
+    <p:bg>
+      <p:bgPr>
+        <a:solidFill>
+          <a:schemeClr val="tx1">
+            <a:lumMod val="75000"/>
+            <a:lumOff val="25000"/>
+          </a:schemeClr>
+        </a:solidFill>
+        <a:effectLst/>
+      </p:bgPr>
+    </p:bg>
+    <p:spTree>
+      <p:nvGrpSpPr>
+        <p:cNvPr id="1" name=""/>
+        <p:cNvGrpSpPr/>
+        <p:nvPr/>
+      </p:nvGrpSpPr>
+      <p:grpSpPr>
+        <a:xfrm>
+          <a:off x="0" y="0"/>
+          <a:ext cx="0" cy="0"/>
+          <a:chOff x="0" y="0"/>
+          <a:chExt cx="0" cy="0"/>
+        </a:xfrm>
+      </p:grpSpPr>
+      <p:sp>
+        <p:nvSpPr>
+          <p:cNvPr id="2" name="Заголовок 1">
+            <a:extLst>
+              <a:ext uri="{FF2B5EF4-FFF2-40B4-BE49-F238E27FC236}">
+                <a16:creationId xmlns:a16="http://schemas.microsoft.com/office/drawing/2014/main" id="{8C374954-363E-05D2-5BD6-387B3F567486}"/>
+              </a:ext>
+            </a:extLst>
+          </p:cNvPr>
+          <p:cNvSpPr>
+            <a:spLocks noGrp="1"/>
+          </p:cNvSpPr>
+          <p:nvPr>
+            <p:ph type="title"/>
+          </p:nvPr>
+        </p:nvSpPr>
+        <p:spPr/>
+        <p:txBody>
+          <a:bodyPr>
+            <a:normAutofit/>
+          </a:bodyPr>
+          <a:lstStyle/>
+          <a:p>
+            <a:pPr algn="ctr"/>
+            <a:r>
+              <a:rPr lang="ru-RU" sz="3600" dirty="0">
+                <a:solidFill>
+                  <a:schemeClr val="bg1"/>
+                </a:solidFill>
+                <a:latin typeface="Rubuk"/>
+                <a:cs typeface="Rubik" panose="02000604000000020004" pitchFamily="2" charset="-79"/>
+              </a:rPr>
+              <a:t>Код главной страницы</a:t>
+            </a:r>
+          </a:p>
+        </p:txBody>
+      </p:sp>
+      <p:pic>
+        <p:nvPicPr>
+          <p:cNvPr id="6" name="Объект 5">
+            <a:extLst>
+              <a:ext uri="{FF2B5EF4-FFF2-40B4-BE49-F238E27FC236}">
+                <a16:creationId xmlns:a16="http://schemas.microsoft.com/office/drawing/2014/main" id="{6D9645FF-60DA-B48B-EFEA-76D152FD33AB}"/>
+              </a:ext>
+            </a:extLst>
+          </p:cNvPr>
+          <p:cNvPicPr>
+            <a:picLocks noGrp="1" noChangeAspect="1"/>
+          </p:cNvPicPr>
+          <p:nvPr>
+            <p:ph idx="1"/>
+          </p:nvPr>
+        </p:nvPicPr>
+        <p:blipFill>
+          <a:blip r:embed="rId2"/>
+          <a:stretch>
+            <a:fillRect/>
+          </a:stretch>
+        </p:blipFill>
+        <p:spPr>
+          <a:xfrm>
+            <a:off x="838200" y="1825625"/>
+            <a:ext cx="10515600" cy="4351338"/>
+          </a:xfrm>
+        </p:spPr>
+      </p:pic>
+      <p:sp>
+        <p:nvSpPr>
+          <p:cNvPr id="5" name="TextBox 4">
+            <a:extLst>
+              <a:ext uri="{FF2B5EF4-FFF2-40B4-BE49-F238E27FC236}">
+                <a16:creationId xmlns:a16="http://schemas.microsoft.com/office/drawing/2014/main" id="{C33B2888-FC88-839B-2440-58972FDFB91A}"/>
+              </a:ext>
+            </a:extLst>
+          </p:cNvPr>
+          <p:cNvSpPr txBox="1"/>
+          <p:nvPr/>
+        </p:nvSpPr>
+        <p:spPr>
+          <a:xfrm>
+            <a:off x="838200" y="5569545"/>
+            <a:ext cx="7046343" cy="369332"/>
+          </a:xfrm>
+          <a:prstGeom prst="rect">
+            <a:avLst/>
+          </a:prstGeom>
+          <a:noFill/>
+        </p:spPr>
+        <p:txBody>
+          <a:bodyPr wrap="square">
+            <a:spAutoFit/>
+          </a:bodyPr>
+          <a:lstStyle/>
+          <a:p>
+            <a:endParaRPr lang="ru-RU" sz="1800" dirty="0">
+              <a:solidFill>
+                <a:schemeClr val="bg1"/>
+              </a:solidFill>
+              <a:latin typeface="Rubuk"/>
+              <a:cs typeface="Rubik" panose="02000604000000020004"/>
+            </a:endParaRPr>
+          </a:p>
+        </p:txBody>
+      </p:sp>
+      <p:pic>
+        <p:nvPicPr>
+          <p:cNvPr id="4" name="Рисунок 3">
+            <a:extLst>
+              <a:ext uri="{FF2B5EF4-FFF2-40B4-BE49-F238E27FC236}">
+                <a16:creationId xmlns:a16="http://schemas.microsoft.com/office/drawing/2014/main" id="{632AB1DD-C9DF-9BB0-9833-0CAB65389EE5}"/>
+              </a:ext>
+            </a:extLst>
+          </p:cNvPr>
+          <p:cNvPicPr>
+            <a:picLocks noChangeAspect="1"/>
+          </p:cNvPicPr>
+          <p:nvPr/>
+        </p:nvPicPr>
+        <p:blipFill>
+          <a:blip r:embed="rId3"/>
+          <a:stretch>
+            <a:fillRect/>
+          </a:stretch>
+        </p:blipFill>
+        <p:spPr>
+          <a:xfrm>
+            <a:off x="838200" y="1825625"/>
+            <a:ext cx="10515600" cy="4351337"/>
+          </a:xfrm>
+          <a:prstGeom prst="rect">
+            <a:avLst/>
+          </a:prstGeom>
+        </p:spPr>
+      </p:pic>
+    </p:spTree>
+    <p:extLst>
+      <p:ext uri="{BB962C8B-B14F-4D97-AF65-F5344CB8AC3E}">
+        <p14:creationId xmlns:p14="http://schemas.microsoft.com/office/powerpoint/2010/main" val="368381569"/>
+      </p:ext>
+    </p:extLst>
+  </p:cSld>
+  <p:clrMapOvr>
+    <a:masterClrMapping/>
+  </p:clrMapOvr>
+</p:sld>
+</file>
+
+<file path=ppt/slides/slide13.xml><?xml version="1.0" encoding="utf-8"?>
+<p:sld xmlns:a="http://schemas.openxmlformats.org/drawingml/2006/main" xmlns:r="http://schemas.openxmlformats.org/officeDocument/2006/relationships" xmlns:p="http://schemas.openxmlformats.org/presentationml/2006/main">
+  <p:cSld>
+    <p:bg>
+      <p:bgPr>
+        <a:solidFill>
+          <a:schemeClr val="tx1">
+            <a:lumMod val="75000"/>
+            <a:lumOff val="25000"/>
+          </a:schemeClr>
+        </a:solidFill>
+        <a:effectLst/>
+      </p:bgPr>
+    </p:bg>
+    <p:spTree>
+      <p:nvGrpSpPr>
+        <p:cNvPr id="1" name=""/>
+        <p:cNvGrpSpPr/>
+        <p:nvPr/>
+      </p:nvGrpSpPr>
+      <p:grpSpPr>
+        <a:xfrm>
+          <a:off x="0" y="0"/>
+          <a:ext cx="0" cy="0"/>
+          <a:chOff x="0" y="0"/>
+          <a:chExt cx="0" cy="0"/>
+        </a:xfrm>
+      </p:grpSpPr>
+      <p:sp>
+        <p:nvSpPr>
+          <p:cNvPr id="2" name="Заголовок 1">
+            <a:extLst>
+              <a:ext uri="{FF2B5EF4-FFF2-40B4-BE49-F238E27FC236}">
+                <a16:creationId xmlns:a16="http://schemas.microsoft.com/office/drawing/2014/main" id="{8C374954-363E-05D2-5BD6-387B3F567486}"/>
+              </a:ext>
+            </a:extLst>
+          </p:cNvPr>
+          <p:cNvSpPr>
+            <a:spLocks noGrp="1"/>
+          </p:cNvSpPr>
+          <p:nvPr>
+            <p:ph type="title"/>
+          </p:nvPr>
+        </p:nvSpPr>
+        <p:spPr/>
+        <p:txBody>
+          <a:bodyPr>
+            <a:normAutofit/>
+          </a:bodyPr>
+          <a:lstStyle/>
+          <a:p>
+            <a:pPr algn="ctr"/>
+            <a:r>
+              <a:rPr lang="ru-RU" sz="3600" dirty="0">
+                <a:solidFill>
+                  <a:schemeClr val="bg1"/>
+                </a:solidFill>
+                <a:latin typeface="Rubuk"/>
+                <a:cs typeface="Rubik" panose="02000604000000020004" pitchFamily="2" charset="-79"/>
+              </a:rPr>
+              <a:t>Дизайн блока </a:t>
+            </a:r>
+            <a:r>
+              <a:rPr lang="en-US" sz="3600" dirty="0">
+                <a:solidFill>
+                  <a:schemeClr val="bg1"/>
+                </a:solidFill>
+                <a:latin typeface="Rubuk"/>
+                <a:cs typeface="Rubik" panose="02000604000000020004" pitchFamily="2" charset="-79"/>
+              </a:rPr>
+              <a:t>“</a:t>
+            </a:r>
+            <a:r>
+              <a:rPr lang="ru-RU" sz="3600" dirty="0">
+                <a:solidFill>
+                  <a:schemeClr val="bg1"/>
+                </a:solidFill>
+                <a:latin typeface="Rubuk"/>
+                <a:cs typeface="Rubik" panose="02000604000000020004" pitchFamily="2" charset="-79"/>
+              </a:rPr>
+              <a:t>Автомобилестроение</a:t>
+            </a:r>
+            <a:r>
+              <a:rPr lang="en-US" sz="3600" dirty="0">
+                <a:solidFill>
+                  <a:schemeClr val="bg1"/>
+                </a:solidFill>
+                <a:latin typeface="Rubuk"/>
+                <a:cs typeface="Rubik" panose="02000604000000020004" pitchFamily="2" charset="-79"/>
+              </a:rPr>
+              <a:t>”</a:t>
+            </a:r>
+            <a:endParaRPr lang="ru-RU" sz="3600" dirty="0">
+              <a:solidFill>
+                <a:schemeClr val="bg1"/>
+              </a:solidFill>
+              <a:latin typeface="Rubuk"/>
+              <a:cs typeface="Rubik" panose="02000604000000020004" pitchFamily="2" charset="-79"/>
+            </a:endParaRPr>
+          </a:p>
+        </p:txBody>
+      </p:sp>
+      <p:pic>
+        <p:nvPicPr>
+          <p:cNvPr id="6" name="Объект 5">
+            <a:extLst>
+              <a:ext uri="{FF2B5EF4-FFF2-40B4-BE49-F238E27FC236}">
+                <a16:creationId xmlns:a16="http://schemas.microsoft.com/office/drawing/2014/main" id="{6D9645FF-60DA-B48B-EFEA-76D152FD33AB}"/>
+              </a:ext>
+            </a:extLst>
+          </p:cNvPr>
+          <p:cNvPicPr>
+            <a:picLocks noGrp="1" noChangeAspect="1"/>
+          </p:cNvPicPr>
+          <p:nvPr>
+            <p:ph idx="1"/>
+          </p:nvPr>
+        </p:nvPicPr>
+        <p:blipFill>
+          <a:blip r:embed="rId2"/>
+          <a:stretch>
+            <a:fillRect/>
+          </a:stretch>
+        </p:blipFill>
+        <p:spPr>
+          <a:xfrm>
+            <a:off x="838200" y="1825625"/>
+            <a:ext cx="10515600" cy="4351338"/>
+          </a:xfrm>
+        </p:spPr>
+      </p:pic>
+      <p:sp>
+        <p:nvSpPr>
+          <p:cNvPr id="5" name="TextBox 4">
+            <a:extLst>
+              <a:ext uri="{FF2B5EF4-FFF2-40B4-BE49-F238E27FC236}">
+                <a16:creationId xmlns:a16="http://schemas.microsoft.com/office/drawing/2014/main" id="{C33B2888-FC88-839B-2440-58972FDFB91A}"/>
+              </a:ext>
+            </a:extLst>
+          </p:cNvPr>
+          <p:cNvSpPr txBox="1"/>
+          <p:nvPr/>
+        </p:nvSpPr>
+        <p:spPr>
+          <a:xfrm>
+            <a:off x="838200" y="5569545"/>
+            <a:ext cx="7046343" cy="369332"/>
+          </a:xfrm>
+          <a:prstGeom prst="rect">
+            <a:avLst/>
+          </a:prstGeom>
+          <a:noFill/>
+        </p:spPr>
+        <p:txBody>
+          <a:bodyPr wrap="square">
+            <a:spAutoFit/>
+          </a:bodyPr>
+          <a:lstStyle/>
+          <a:p>
+            <a:endParaRPr lang="ru-RU" sz="1800" dirty="0">
+              <a:solidFill>
+                <a:schemeClr val="bg1"/>
+              </a:solidFill>
+              <a:latin typeface="Rubuk"/>
+              <a:cs typeface="Rubik" panose="02000604000000020004"/>
+            </a:endParaRPr>
+          </a:p>
+        </p:txBody>
+      </p:sp>
+      <p:pic>
+        <p:nvPicPr>
+          <p:cNvPr id="7" name="Рисунок 6">
+            <a:extLst>
+              <a:ext uri="{FF2B5EF4-FFF2-40B4-BE49-F238E27FC236}">
+                <a16:creationId xmlns:a16="http://schemas.microsoft.com/office/drawing/2014/main" id="{315CB3D9-8FD6-5B5B-142B-57B58996E4B0}"/>
+              </a:ext>
+            </a:extLst>
+          </p:cNvPr>
+          <p:cNvPicPr>
+            <a:picLocks noChangeAspect="1"/>
+          </p:cNvPicPr>
+          <p:nvPr/>
+        </p:nvPicPr>
+        <p:blipFill>
+          <a:blip r:embed="rId3"/>
+          <a:stretch>
+            <a:fillRect/>
+          </a:stretch>
+        </p:blipFill>
+        <p:spPr>
+          <a:xfrm>
+            <a:off x="838200" y="1825626"/>
+            <a:ext cx="10515600" cy="4351338"/>
+          </a:xfrm>
+          <a:prstGeom prst="rect">
+            <a:avLst/>
+          </a:prstGeom>
+        </p:spPr>
+      </p:pic>
+    </p:spTree>
+    <p:extLst>
+      <p:ext uri="{BB962C8B-B14F-4D97-AF65-F5344CB8AC3E}">
+        <p14:creationId xmlns:p14="http://schemas.microsoft.com/office/powerpoint/2010/main" val="1279552326"/>
+      </p:ext>
+    </p:extLst>
+  </p:cSld>
+  <p:clrMapOvr>
+    <a:masterClrMapping/>
+  </p:clrMapOvr>
+</p:sld>
+</file>
+
+<file path=ppt/slides/slide14.xml><?xml version="1.0" encoding="utf-8"?>
+<p:sld xmlns:a="http://schemas.openxmlformats.org/drawingml/2006/main" xmlns:r="http://schemas.openxmlformats.org/officeDocument/2006/relationships" xmlns:p="http://schemas.openxmlformats.org/presentationml/2006/main">
+  <p:cSld>
+    <p:bg>
+      <p:bgPr>
+        <a:solidFill>
+          <a:schemeClr val="tx1">
+            <a:lumMod val="75000"/>
+            <a:lumOff val="25000"/>
+          </a:schemeClr>
+        </a:solidFill>
+        <a:effectLst/>
+      </p:bgPr>
+    </p:bg>
+    <p:spTree>
+      <p:nvGrpSpPr>
+        <p:cNvPr id="1" name=""/>
+        <p:cNvGrpSpPr/>
+        <p:nvPr/>
+      </p:nvGrpSpPr>
+      <p:grpSpPr>
+        <a:xfrm>
+          <a:off x="0" y="0"/>
+          <a:ext cx="0" cy="0"/>
+          <a:chOff x="0" y="0"/>
+          <a:chExt cx="0" cy="0"/>
+        </a:xfrm>
+      </p:grpSpPr>
+      <p:sp>
+        <p:nvSpPr>
+          <p:cNvPr id="2" name="Заголовок 1">
+            <a:extLst>
+              <a:ext uri="{FF2B5EF4-FFF2-40B4-BE49-F238E27FC236}">
+                <a16:creationId xmlns:a16="http://schemas.microsoft.com/office/drawing/2014/main" id="{8C374954-363E-05D2-5BD6-387B3F567486}"/>
+              </a:ext>
+            </a:extLst>
+          </p:cNvPr>
+          <p:cNvSpPr>
+            <a:spLocks noGrp="1"/>
+          </p:cNvSpPr>
+          <p:nvPr>
+            <p:ph type="title"/>
+          </p:nvPr>
+        </p:nvSpPr>
+        <p:spPr/>
+        <p:txBody>
+          <a:bodyPr>
+            <a:normAutofit/>
+          </a:bodyPr>
+          <a:lstStyle/>
+          <a:p>
+            <a:pPr algn="ctr"/>
+            <a:r>
+              <a:rPr lang="ru-RU" sz="3600" dirty="0">
+                <a:solidFill>
+                  <a:schemeClr val="bg1"/>
+                </a:solidFill>
+                <a:latin typeface="Rubuk"/>
+                <a:cs typeface="Rubik" panose="02000604000000020004" pitchFamily="2" charset="-79"/>
+              </a:rPr>
+              <a:t>Код блока </a:t>
+            </a:r>
+            <a:r>
+              <a:rPr lang="en-US" sz="3600" dirty="0">
+                <a:solidFill>
+                  <a:schemeClr val="bg1"/>
+                </a:solidFill>
+                <a:latin typeface="Rubuk"/>
+                <a:cs typeface="Rubik" panose="02000604000000020004" pitchFamily="2" charset="-79"/>
+              </a:rPr>
+              <a:t>“</a:t>
+            </a:r>
+            <a:r>
+              <a:rPr lang="ru-RU" sz="3600" dirty="0">
+                <a:solidFill>
+                  <a:schemeClr val="bg1"/>
+                </a:solidFill>
+                <a:latin typeface="Rubuk"/>
+                <a:cs typeface="Rubik" panose="02000604000000020004" pitchFamily="2" charset="-79"/>
+              </a:rPr>
+              <a:t>Автомобилестроение</a:t>
+            </a:r>
+            <a:r>
+              <a:rPr lang="en-US" sz="3600" dirty="0">
+                <a:solidFill>
+                  <a:schemeClr val="bg1"/>
+                </a:solidFill>
+                <a:latin typeface="Rubuk"/>
+                <a:cs typeface="Rubik" panose="02000604000000020004" pitchFamily="2" charset="-79"/>
+              </a:rPr>
+              <a:t>”</a:t>
+            </a:r>
+            <a:endParaRPr lang="ru-RU" sz="3600" dirty="0">
+              <a:solidFill>
+                <a:schemeClr val="bg1"/>
+              </a:solidFill>
+              <a:latin typeface="Rubuk"/>
+              <a:cs typeface="Rubik" panose="02000604000000020004" pitchFamily="2" charset="-79"/>
+            </a:endParaRPr>
+          </a:p>
+        </p:txBody>
+      </p:sp>
+      <p:pic>
+        <p:nvPicPr>
+          <p:cNvPr id="6" name="Объект 5">
+            <a:extLst>
+              <a:ext uri="{FF2B5EF4-FFF2-40B4-BE49-F238E27FC236}">
+                <a16:creationId xmlns:a16="http://schemas.microsoft.com/office/drawing/2014/main" id="{6D9645FF-60DA-B48B-EFEA-76D152FD33AB}"/>
+              </a:ext>
+            </a:extLst>
+          </p:cNvPr>
+          <p:cNvPicPr>
+            <a:picLocks noGrp="1" noChangeAspect="1"/>
+          </p:cNvPicPr>
+          <p:nvPr>
+            <p:ph idx="1"/>
+          </p:nvPr>
+        </p:nvPicPr>
+        <p:blipFill>
+          <a:blip r:embed="rId2"/>
+          <a:stretch>
+            <a:fillRect/>
+          </a:stretch>
+        </p:blipFill>
+        <p:spPr>
+          <a:xfrm>
+            <a:off x="838200" y="1825625"/>
+            <a:ext cx="10515600" cy="4351338"/>
+          </a:xfrm>
+        </p:spPr>
+      </p:pic>
+      <p:sp>
+        <p:nvSpPr>
+          <p:cNvPr id="5" name="TextBox 4">
+            <a:extLst>
+              <a:ext uri="{FF2B5EF4-FFF2-40B4-BE49-F238E27FC236}">
+                <a16:creationId xmlns:a16="http://schemas.microsoft.com/office/drawing/2014/main" id="{C33B2888-FC88-839B-2440-58972FDFB91A}"/>
+              </a:ext>
+            </a:extLst>
+          </p:cNvPr>
+          <p:cNvSpPr txBox="1"/>
+          <p:nvPr/>
+        </p:nvSpPr>
+        <p:spPr>
+          <a:xfrm>
+            <a:off x="838200" y="5569545"/>
+            <a:ext cx="7046343" cy="369332"/>
+          </a:xfrm>
+          <a:prstGeom prst="rect">
+            <a:avLst/>
+          </a:prstGeom>
+          <a:noFill/>
+        </p:spPr>
+        <p:txBody>
+          <a:bodyPr wrap="square">
+            <a:spAutoFit/>
+          </a:bodyPr>
+          <a:lstStyle/>
+          <a:p>
+            <a:endParaRPr lang="ru-RU" sz="1800" dirty="0">
+              <a:solidFill>
+                <a:schemeClr val="bg1"/>
+              </a:solidFill>
+              <a:latin typeface="Rubuk"/>
+              <a:cs typeface="Rubik" panose="02000604000000020004"/>
+            </a:endParaRPr>
+          </a:p>
+        </p:txBody>
+      </p:sp>
+      <p:pic>
+        <p:nvPicPr>
+          <p:cNvPr id="7" name="Рисунок 6">
+            <a:extLst>
+              <a:ext uri="{FF2B5EF4-FFF2-40B4-BE49-F238E27FC236}">
+                <a16:creationId xmlns:a16="http://schemas.microsoft.com/office/drawing/2014/main" id="{315CB3D9-8FD6-5B5B-142B-57B58996E4B0}"/>
+              </a:ext>
+            </a:extLst>
+          </p:cNvPr>
+          <p:cNvPicPr>
+            <a:picLocks noChangeAspect="1"/>
+          </p:cNvPicPr>
+          <p:nvPr/>
+        </p:nvPicPr>
+        <p:blipFill>
+          <a:blip r:embed="rId3"/>
+          <a:stretch>
+            <a:fillRect/>
+          </a:stretch>
+        </p:blipFill>
+        <p:spPr>
+          <a:xfrm>
+            <a:off x="838200" y="1825626"/>
+            <a:ext cx="10515600" cy="4351338"/>
+          </a:xfrm>
+          <a:prstGeom prst="rect">
+            <a:avLst/>
+          </a:prstGeom>
+        </p:spPr>
+      </p:pic>
+      <p:pic>
+        <p:nvPicPr>
+          <p:cNvPr id="4" name="Рисунок 3">
+            <a:extLst>
+              <a:ext uri="{FF2B5EF4-FFF2-40B4-BE49-F238E27FC236}">
+                <a16:creationId xmlns:a16="http://schemas.microsoft.com/office/drawing/2014/main" id="{7CB2D6E0-FE11-8C07-F5EA-C9890F20D0F5}"/>
+              </a:ext>
+            </a:extLst>
+          </p:cNvPr>
+          <p:cNvPicPr>
+            <a:picLocks noChangeAspect="1"/>
+          </p:cNvPicPr>
+          <p:nvPr/>
+        </p:nvPicPr>
+        <p:blipFill>
+          <a:blip r:embed="rId4"/>
+          <a:stretch>
+            <a:fillRect/>
+          </a:stretch>
+        </p:blipFill>
+        <p:spPr>
+          <a:xfrm>
+            <a:off x="838199" y="1825624"/>
+            <a:ext cx="10515599" cy="4351338"/>
+          </a:xfrm>
+          <a:prstGeom prst="rect">
+            <a:avLst/>
+          </a:prstGeom>
+        </p:spPr>
+      </p:pic>
+    </p:spTree>
+    <p:extLst>
+      <p:ext uri="{BB962C8B-B14F-4D97-AF65-F5344CB8AC3E}">
+        <p14:creationId xmlns:p14="http://schemas.microsoft.com/office/powerpoint/2010/main" val="406313136"/>
+      </p:ext>
+    </p:extLst>
+  </p:cSld>
+  <p:clrMapOvr>
+    <a:masterClrMapping/>
+  </p:clrMapOvr>
+</p:sld>
+</file>
+
+<file path=ppt/slides/slide15.xml><?xml version="1.0" encoding="utf-8"?>
+<p:sld xmlns:a="http://schemas.openxmlformats.org/drawingml/2006/main" xmlns:r="http://schemas.openxmlformats.org/officeDocument/2006/relationships" xmlns:p="http://schemas.openxmlformats.org/presentationml/2006/main">
+  <p:cSld>
+    <p:bg>
+      <p:bgPr>
+        <a:solidFill>
+          <a:schemeClr val="tx1">
+            <a:lumMod val="75000"/>
+            <a:lumOff val="25000"/>
+          </a:schemeClr>
+        </a:solidFill>
+        <a:effectLst/>
+      </p:bgPr>
+    </p:bg>
+    <p:spTree>
+      <p:nvGrpSpPr>
+        <p:cNvPr id="1" name=""/>
+        <p:cNvGrpSpPr/>
+        <p:nvPr/>
+      </p:nvGrpSpPr>
+      <p:grpSpPr>
+        <a:xfrm>
+          <a:off x="0" y="0"/>
+          <a:ext cx="0" cy="0"/>
+          <a:chOff x="0" y="0"/>
+          <a:chExt cx="0" cy="0"/>
+        </a:xfrm>
+      </p:grpSpPr>
+      <p:sp>
+        <p:nvSpPr>
+          <p:cNvPr id="2" name="Заголовок 1">
+            <a:extLst>
+              <a:ext uri="{FF2B5EF4-FFF2-40B4-BE49-F238E27FC236}">
+                <a16:creationId xmlns:a16="http://schemas.microsoft.com/office/drawing/2014/main" id="{8C374954-363E-05D2-5BD6-387B3F567486}"/>
+              </a:ext>
+            </a:extLst>
+          </p:cNvPr>
+          <p:cNvSpPr>
+            <a:spLocks noGrp="1"/>
+          </p:cNvSpPr>
+          <p:nvPr>
+            <p:ph type="title"/>
+          </p:nvPr>
+        </p:nvSpPr>
+        <p:spPr/>
+        <p:txBody>
+          <a:bodyPr>
+            <a:normAutofit/>
+          </a:bodyPr>
+          <a:lstStyle/>
+          <a:p>
+            <a:pPr algn="ctr"/>
+            <a:r>
+              <a:rPr lang="ru-RU" sz="3600" dirty="0">
+                <a:solidFill>
+                  <a:schemeClr val="bg1"/>
+                </a:solidFill>
+                <a:latin typeface="Rubik" panose="02000604000000020004" pitchFamily="2" charset="-79"/>
+                <a:cs typeface="Rubik" panose="02000604000000020004" pitchFamily="2" charset="-79"/>
+              </a:rPr>
+              <a:t>Вывод</a:t>
+            </a:r>
+          </a:p>
+        </p:txBody>
+      </p:sp>
+      <p:sp>
+        <p:nvSpPr>
+          <p:cNvPr id="3" name="Объект 2">
+            <a:extLst>
+              <a:ext uri="{FF2B5EF4-FFF2-40B4-BE49-F238E27FC236}">
+                <a16:creationId xmlns:a16="http://schemas.microsoft.com/office/drawing/2014/main" id="{2829555D-D800-4372-EE96-794717F81586}"/>
+              </a:ext>
+            </a:extLst>
+          </p:cNvPr>
+          <p:cNvSpPr>
+            <a:spLocks noGrp="1"/>
+          </p:cNvSpPr>
+          <p:nvPr>
+            <p:ph idx="1"/>
+          </p:nvPr>
+        </p:nvSpPr>
+        <p:spPr/>
+        <p:txBody>
+          <a:bodyPr>
+            <a:normAutofit/>
+          </a:bodyPr>
+          <a:lstStyle/>
+          <a:p>
+            <a:pPr marL="0" indent="0">
+              <a:buNone/>
+            </a:pPr>
+            <a:r>
+              <a:rPr lang="ru-RU" sz="2400" dirty="0">
+                <a:solidFill>
+                  <a:schemeClr val="bg1"/>
+                </a:solidFill>
+              </a:rPr>
+              <a:t>	Все поставленные перед собой задачи были выполнены. На выходе я получил тот результат, которого и хотел достичь. Этот проект выполнен не без ошибок, он помог мне увидеть и распознать свои слабые стороны в сфере разработки и проектирования. Были укреплены знания в области программирования, знания в области </a:t>
+            </a:r>
+            <a:r>
+              <a:rPr lang="en-US" sz="2400" dirty="0">
+                <a:solidFill>
+                  <a:schemeClr val="bg1"/>
+                </a:solidFill>
+              </a:rPr>
+              <a:t>Java Script</a:t>
+            </a:r>
+            <a:r>
+              <a:rPr lang="ru-RU" sz="2400" dirty="0">
+                <a:solidFill>
+                  <a:schemeClr val="bg1"/>
+                </a:solidFill>
+              </a:rPr>
+              <a:t>, было проведено множество экспериментов с применением различных методов для реализации функционала.</a:t>
+            </a:r>
+          </a:p>
+        </p:txBody>
+      </p:sp>
+    </p:spTree>
+    <p:extLst>
+      <p:ext uri="{BB962C8B-B14F-4D97-AF65-F5344CB8AC3E}">
+        <p14:creationId xmlns:p14="http://schemas.microsoft.com/office/powerpoint/2010/main" val="2825360736"/>
+      </p:ext>
+    </p:extLst>
+  </p:cSld>
+  <p:clrMapOvr>
+    <a:masterClrMapping/>
+  </p:clrMapOvr>
+</p:sld>
+</file>
+
+<file path=ppt/slides/slide16.xml><?xml version="1.0" encoding="utf-8"?>
+<p:sld xmlns:a="http://schemas.openxmlformats.org/drawingml/2006/main" xmlns:r="http://schemas.openxmlformats.org/officeDocument/2006/relationships" xmlns:p="http://schemas.openxmlformats.org/presentationml/2006/main">
+  <p:cSld>
+    <p:bg>
+      <p:bgPr>
+        <a:solidFill>
+          <a:schemeClr val="tx1">
+            <a:lumMod val="75000"/>
+            <a:lumOff val="25000"/>
+          </a:schemeClr>
+        </a:solidFill>
+        <a:effectLst/>
+      </p:bgPr>
+    </p:bg>
+    <p:spTree>
+      <p:nvGrpSpPr>
+        <p:cNvPr id="1" name=""/>
+        <p:cNvGrpSpPr/>
+        <p:nvPr/>
+      </p:nvGrpSpPr>
+      <p:grpSpPr>
+        <a:xfrm>
+          <a:off x="0" y="0"/>
+          <a:ext cx="0" cy="0"/>
+          <a:chOff x="0" y="0"/>
+          <a:chExt cx="0" cy="0"/>
+        </a:xfrm>
+      </p:grpSpPr>
+      <p:sp>
+        <p:nvSpPr>
+          <p:cNvPr id="2" name="Заголовок 1">
+            <a:extLst>
+              <a:ext uri="{FF2B5EF4-FFF2-40B4-BE49-F238E27FC236}">
+                <a16:creationId xmlns:a16="http://schemas.microsoft.com/office/drawing/2014/main" id="{8C374954-363E-05D2-5BD6-387B3F567486}"/>
+              </a:ext>
+            </a:extLst>
+          </p:cNvPr>
+          <p:cNvSpPr>
+            <a:spLocks noGrp="1"/>
+          </p:cNvSpPr>
+          <p:nvPr>
+            <p:ph type="title"/>
+          </p:nvPr>
+        </p:nvSpPr>
+        <p:spPr/>
+        <p:txBody>
+          <a:bodyPr>
+            <a:normAutofit/>
+          </a:bodyPr>
+          <a:lstStyle/>
+          <a:p>
+            <a:pPr algn="ctr"/>
+            <a:r>
+              <a:rPr lang="ru-RU" sz="3600" dirty="0">
+                <a:solidFill>
+                  <a:schemeClr val="bg1"/>
+                </a:solidFill>
+                <a:latin typeface="Rubuk"/>
+                <a:cs typeface="Rubik" panose="02000604000000020004" pitchFamily="2" charset="-79"/>
+              </a:rPr>
+              <a:t>Благодарю за внимание!</a:t>
+            </a:r>
+          </a:p>
+        </p:txBody>
+      </p:sp>
+      <p:sp>
+        <p:nvSpPr>
+          <p:cNvPr id="3" name="Объект 2">
+            <a:extLst>
+              <a:ext uri="{FF2B5EF4-FFF2-40B4-BE49-F238E27FC236}">
+                <a16:creationId xmlns:a16="http://schemas.microsoft.com/office/drawing/2014/main" id="{2829555D-D800-4372-EE96-794717F81586}"/>
+              </a:ext>
+            </a:extLst>
+          </p:cNvPr>
+          <p:cNvSpPr>
+            <a:spLocks noGrp="1"/>
+          </p:cNvSpPr>
+          <p:nvPr>
+            <p:ph idx="1"/>
+          </p:nvPr>
+        </p:nvSpPr>
+        <p:spPr/>
+        <p:txBody>
+          <a:bodyPr>
+            <a:normAutofit/>
+          </a:bodyPr>
+          <a:lstStyle/>
+          <a:p>
+            <a:pPr marL="0" indent="0">
+              <a:buNone/>
+            </a:pPr>
+            <a:r>
+              <a:rPr lang="ru-RU" sz="2400" dirty="0">
+                <a:solidFill>
+                  <a:schemeClr val="bg1"/>
+                </a:solidFill>
+                <a:latin typeface="Rubuk"/>
+              </a:rPr>
+              <a:t>Контактная информация:</a:t>
+            </a:r>
+          </a:p>
+          <a:p>
+            <a:r>
+              <a:rPr lang="ru-RU" sz="2400" dirty="0">
+                <a:solidFill>
+                  <a:schemeClr val="bg1"/>
+                </a:solidFill>
+                <a:latin typeface="Rubuk"/>
+              </a:rPr>
+              <a:t>Почта</a:t>
+            </a:r>
+            <a:r>
+              <a:rPr lang="en-US" sz="2400" dirty="0">
+                <a:solidFill>
+                  <a:schemeClr val="bg1"/>
+                </a:solidFill>
+                <a:latin typeface="Rubuk"/>
+              </a:rPr>
+              <a:t>: </a:t>
+            </a:r>
+            <a:r>
+              <a:rPr lang="en-US" sz="2400" dirty="0">
+                <a:solidFill>
+                  <a:schemeClr val="bg1"/>
+                </a:solidFill>
+                <a:latin typeface="Rubuk"/>
+                <a:hlinkClick r:id="rId2">
+                  <a:extLst>
+                    <a:ext uri="{A12FA001-AC4F-418D-AE19-62706E023703}">
+                      <ahyp:hlinkClr xmlns:ahyp="http://schemas.microsoft.com/office/drawing/2018/hyperlinkcolor" val="tx"/>
+                    </a:ext>
+                  </a:extLst>
+                </a:hlinkClick>
+              </a:rPr>
+              <a:t>kostiv049@gmail.com</a:t>
+            </a:r>
+            <a:endParaRPr lang="en-US" sz="2400" dirty="0">
+              <a:solidFill>
+                <a:schemeClr val="bg1"/>
+              </a:solidFill>
+              <a:latin typeface="Rubuk"/>
+            </a:endParaRPr>
+          </a:p>
+          <a:p>
+            <a:r>
+              <a:rPr lang="en-US" sz="2400" dirty="0">
+                <a:solidFill>
+                  <a:schemeClr val="bg1"/>
+                </a:solidFill>
+                <a:latin typeface="Rubuk"/>
+              </a:rPr>
+              <a:t>VK: https://vk.com/maksimkostiv1</a:t>
+            </a:r>
+            <a:endParaRPr lang="ru-RU" sz="2400" dirty="0">
+              <a:solidFill>
+                <a:schemeClr val="bg1"/>
+              </a:solidFill>
+              <a:latin typeface="Rubuk"/>
+            </a:endParaRPr>
+          </a:p>
+        </p:txBody>
+      </p:sp>
+      <p:sp>
+        <p:nvSpPr>
+          <p:cNvPr id="5" name="TextBox 4">
+            <a:extLst>
+              <a:ext uri="{FF2B5EF4-FFF2-40B4-BE49-F238E27FC236}">
+                <a16:creationId xmlns:a16="http://schemas.microsoft.com/office/drawing/2014/main" id="{C33B2888-FC88-839B-2440-58972FDFB91A}"/>
+              </a:ext>
+            </a:extLst>
+          </p:cNvPr>
+          <p:cNvSpPr txBox="1"/>
+          <p:nvPr/>
+        </p:nvSpPr>
+        <p:spPr>
+          <a:xfrm>
+            <a:off x="259976" y="5394734"/>
+            <a:ext cx="8144435" cy="1200329"/>
+          </a:xfrm>
+          <a:prstGeom prst="rect">
+            <a:avLst/>
+          </a:prstGeom>
+          <a:noFill/>
+        </p:spPr>
+        <p:txBody>
+          <a:bodyPr wrap="square">
+            <a:spAutoFit/>
+          </a:bodyPr>
+          <a:lstStyle/>
+          <a:p>
+            <a:r>
+              <a:rPr lang="ru-RU" sz="2400" dirty="0">
+                <a:solidFill>
+                  <a:schemeClr val="bg1"/>
+                </a:solidFill>
+                <a:latin typeface="Rubuk"/>
+                <a:cs typeface="Rubik" panose="02000604000000020004"/>
+              </a:rPr>
+              <a:t>Выполнил</a:t>
+            </a:r>
+            <a:r>
+              <a:rPr lang="en-US" sz="2400" dirty="0">
+                <a:solidFill>
+                  <a:schemeClr val="bg1"/>
+                </a:solidFill>
+                <a:latin typeface="Rubuk"/>
+                <a:cs typeface="Rubik" panose="02000604000000020004"/>
+              </a:rPr>
+              <a:t>:</a:t>
+            </a:r>
+            <a:r>
+              <a:rPr lang="ru-RU" sz="2400" dirty="0">
+                <a:solidFill>
+                  <a:schemeClr val="bg1"/>
+                </a:solidFill>
+                <a:latin typeface="Rubuk"/>
+                <a:cs typeface="Rubik" panose="02000604000000020004"/>
+              </a:rPr>
+              <a:t> 		</a:t>
+            </a:r>
+            <a:r>
+              <a:rPr lang="en-US" sz="2400" dirty="0">
+                <a:solidFill>
+                  <a:schemeClr val="bg1"/>
+                </a:solidFill>
+                <a:latin typeface="Rubuk"/>
+                <a:cs typeface="Rubik" panose="02000604000000020004"/>
+              </a:rPr>
+              <a:t>	</a:t>
+            </a:r>
+            <a:r>
+              <a:rPr lang="ru-RU" sz="2400" dirty="0">
+                <a:solidFill>
+                  <a:schemeClr val="bg1"/>
+                </a:solidFill>
+                <a:latin typeface="Rubuk"/>
+                <a:cs typeface="Rubik" panose="02000604000000020004"/>
+              </a:rPr>
+              <a:t>Костив Максим Владимирович</a:t>
+            </a:r>
+            <a:endParaRPr lang="en-US" sz="2400" dirty="0">
+              <a:solidFill>
+                <a:schemeClr val="bg1"/>
+              </a:solidFill>
+              <a:latin typeface="Rubuk"/>
+              <a:cs typeface="Rubik" panose="02000604000000020004"/>
+            </a:endParaRPr>
+          </a:p>
+          <a:p>
+            <a:r>
+              <a:rPr lang="ru-RU" sz="2400" dirty="0">
+                <a:solidFill>
+                  <a:schemeClr val="bg1"/>
+                </a:solidFill>
+                <a:latin typeface="Rubuk"/>
+                <a:cs typeface="Rubik" panose="02000604000000020004"/>
+              </a:rPr>
+              <a:t>Группа</a:t>
+            </a:r>
+            <a:r>
+              <a:rPr lang="en-US" sz="2400" dirty="0">
+                <a:solidFill>
+                  <a:schemeClr val="bg1"/>
+                </a:solidFill>
+                <a:latin typeface="Rubuk"/>
+                <a:cs typeface="Rubik" panose="02000604000000020004"/>
+              </a:rPr>
+              <a:t>:</a:t>
+            </a:r>
+            <a:r>
+              <a:rPr lang="ru-RU" sz="2400" dirty="0">
+                <a:solidFill>
+                  <a:schemeClr val="bg1"/>
+                </a:solidFill>
+                <a:latin typeface="Rubuk"/>
+                <a:cs typeface="Rubik" panose="02000604000000020004"/>
+              </a:rPr>
+              <a:t>	</a:t>
+            </a:r>
+            <a:r>
+              <a:rPr lang="en-US" sz="2400" dirty="0">
+                <a:solidFill>
+                  <a:schemeClr val="bg1"/>
+                </a:solidFill>
+                <a:latin typeface="Rubuk"/>
+                <a:cs typeface="Rubik" panose="02000604000000020004"/>
+              </a:rPr>
+              <a:t>	</a:t>
+            </a:r>
+            <a:r>
+              <a:rPr lang="ru-RU" sz="2400" dirty="0">
+                <a:solidFill>
+                  <a:schemeClr val="bg1"/>
+                </a:solidFill>
+                <a:latin typeface="Rubuk"/>
+                <a:cs typeface="Rubik" panose="02000604000000020004"/>
+              </a:rPr>
+              <a:t>	2993</a:t>
+            </a:r>
+          </a:p>
+          <a:p>
+            <a:r>
+              <a:rPr lang="ru-RU" sz="2400" dirty="0">
+                <a:solidFill>
+                  <a:schemeClr val="bg1"/>
+                </a:solidFill>
+                <a:latin typeface="Rubuk"/>
+                <a:cs typeface="Rubik" panose="02000604000000020004"/>
+              </a:rPr>
+              <a:t>Руководитель</a:t>
+            </a:r>
+            <a:r>
+              <a:rPr lang="en-US" sz="2400" dirty="0">
+                <a:solidFill>
+                  <a:schemeClr val="bg1"/>
+                </a:solidFill>
+                <a:latin typeface="Rubuk"/>
+                <a:cs typeface="Rubik" panose="02000604000000020004"/>
+              </a:rPr>
+              <a:t>:		</a:t>
+            </a:r>
+            <a:r>
+              <a:rPr lang="ru-RU" sz="2400" dirty="0">
+                <a:solidFill>
+                  <a:schemeClr val="bg1"/>
+                </a:solidFill>
+                <a:latin typeface="Rubuk"/>
+                <a:cs typeface="Rubik" panose="02000604000000020004"/>
+              </a:rPr>
+              <a:t>Ильин В.Р</a:t>
+            </a:r>
+          </a:p>
+        </p:txBody>
+      </p:sp>
+    </p:spTree>
+    <p:extLst>
+      <p:ext uri="{BB962C8B-B14F-4D97-AF65-F5344CB8AC3E}">
+        <p14:creationId xmlns:p14="http://schemas.microsoft.com/office/powerpoint/2010/main" val="1959921167"/>
       </p:ext>
     </p:extLst>
   </p:cSld>
@@ -4209,7 +5208,7 @@
                 <a:solidFill>
                   <a:schemeClr val="bg1"/>
                 </a:solidFill>
-                <a:latin typeface="Rubik" panose="02000604000000020004" pitchFamily="2" charset="-79"/>
+                <a:latin typeface="Rubuk"/>
                 <a:cs typeface="Rubik" panose="02000604000000020004" pitchFamily="2" charset="-79"/>
               </a:rPr>
               <a:t>Цели</a:t>
@@ -4233,7 +5232,12 @@
             <p:ph idx="1"/>
           </p:nvPr>
         </p:nvSpPr>
-        <p:spPr/>
+        <p:spPr>
+          <a:xfrm>
+            <a:off x="838200" y="1253331"/>
+            <a:ext cx="10515600" cy="4351338"/>
+          </a:xfrm>
+        </p:spPr>
         <p:txBody>
           <a:bodyPr>
             <a:normAutofit/>
@@ -4245,6 +5249,7 @@
                 <a:solidFill>
                   <a:schemeClr val="bg1"/>
                 </a:solidFill>
+                <a:latin typeface="Rubuk"/>
               </a:rPr>
               <a:t>Улучшение знаний в области языков программирования</a:t>
             </a:r>
@@ -4255,6 +5260,7 @@
                 <a:solidFill>
                   <a:schemeClr val="bg1"/>
                 </a:solidFill>
+                <a:latin typeface="Rubuk"/>
               </a:rPr>
               <a:t>Улучшение навыков в области составления проектной документации</a:t>
             </a:r>
@@ -4265,6 +5271,7 @@
                 <a:solidFill>
                   <a:schemeClr val="bg1"/>
                 </a:solidFill>
+                <a:latin typeface="Rubuk"/>
               </a:rPr>
               <a:t>Работа с новыми методами, упрощение кода в </a:t>
             </a:r>
@@ -4273,6 +5280,7 @@
                 <a:solidFill>
                   <a:schemeClr val="bg1"/>
                 </a:solidFill>
+                <a:latin typeface="Rubuk"/>
               </a:rPr>
               <a:t>Java Script</a:t>
             </a:r>
@@ -4280,6 +5288,7 @@
               <a:solidFill>
                 <a:schemeClr val="bg1"/>
               </a:solidFill>
+              <a:latin typeface="Rubuk"/>
             </a:endParaRPr>
           </a:p>
           <a:p>
@@ -4288,8 +5297,9 @@
                 <a:solidFill>
                   <a:schemeClr val="bg1"/>
                 </a:solidFill>
-              </a:rPr>
-              <a:t>Работа с акцентом внимания пользователя, методом дизайна</a:t>
+                <a:latin typeface="Rubuk"/>
+              </a:rPr>
+              <a:t>Работа с акцентом внимания пользователя методом дизайна</a:t>
             </a:r>
           </a:p>
           <a:p>
@@ -4298,6 +5308,7 @@
                 <a:solidFill>
                   <a:schemeClr val="bg1"/>
                 </a:solidFill>
+                <a:latin typeface="Rubuk"/>
               </a:rPr>
               <a:t>Улучшение навыков в области разработки дизайна</a:t>
             </a:r>
@@ -4403,7 +5414,12 @@
             <p:ph idx="1"/>
           </p:nvPr>
         </p:nvSpPr>
-        <p:spPr/>
+        <p:spPr>
+          <a:xfrm>
+            <a:off x="838200" y="1343818"/>
+            <a:ext cx="10515600" cy="4351338"/>
+          </a:xfrm>
+        </p:spPr>
         <p:txBody>
           <a:bodyPr>
             <a:normAutofit/>
@@ -4411,88 +5427,133 @@
           <a:lstStyle/>
           <a:p>
             <a:r>
-              <a:rPr lang="ru-RU" sz="2000" dirty="0">
-                <a:solidFill>
-                  <a:schemeClr val="bg1"/>
-                </a:solidFill>
+              <a:rPr lang="ru-RU" sz="2400" dirty="0">
+                <a:solidFill>
+                  <a:schemeClr val="bg1"/>
+                </a:solidFill>
+                <a:latin typeface="Rubuk"/>
               </a:rPr>
               <a:t>Разработка проектной документации</a:t>
             </a:r>
-          </a:p>
-          <a:p>
-            <a:r>
-              <a:rPr lang="ru-RU" sz="2000" dirty="0">
-                <a:solidFill>
-                  <a:schemeClr val="bg1"/>
-                </a:solidFill>
+            <a:endParaRPr lang="en-US" sz="2400" dirty="0">
+              <a:solidFill>
+                <a:schemeClr val="bg1"/>
+              </a:solidFill>
+              <a:latin typeface="Rubuk"/>
+            </a:endParaRPr>
+          </a:p>
+          <a:p>
+            <a:r>
+              <a:rPr lang="ru-RU" sz="2400" dirty="0">
+                <a:solidFill>
+                  <a:schemeClr val="bg1"/>
+                </a:solidFill>
+                <a:latin typeface="Rubuk"/>
+              </a:rPr>
+              <a:t>Разработка интерфейса </a:t>
+            </a:r>
+            <a:r>
+              <a:rPr lang="en-US" sz="2400" dirty="0">
+                <a:solidFill>
+                  <a:schemeClr val="bg1"/>
+                </a:solidFill>
+                <a:latin typeface="Rubuk"/>
+              </a:rPr>
+              <a:t>web-</a:t>
+            </a:r>
+            <a:r>
+              <a:rPr lang="ru-RU" sz="2400" dirty="0">
+                <a:solidFill>
+                  <a:schemeClr val="bg1"/>
+                </a:solidFill>
+                <a:latin typeface="Rubuk"/>
+              </a:rPr>
+              <a:t>страницы</a:t>
+            </a:r>
+          </a:p>
+          <a:p>
+            <a:r>
+              <a:rPr lang="ru-RU" sz="2400" dirty="0">
+                <a:solidFill>
+                  <a:schemeClr val="bg1"/>
+                </a:solidFill>
+                <a:latin typeface="Rubuk"/>
               </a:rPr>
               <a:t>Разработка функционала регистрации</a:t>
             </a:r>
             <a:r>
-              <a:rPr lang="en-US" sz="2000" dirty="0">
-                <a:solidFill>
-                  <a:schemeClr val="bg1"/>
-                </a:solidFill>
+              <a:rPr lang="en-US" sz="2400" dirty="0">
+                <a:solidFill>
+                  <a:schemeClr val="bg1"/>
+                </a:solidFill>
+                <a:latin typeface="Rubuk"/>
               </a:rPr>
               <a:t>/</a:t>
             </a:r>
             <a:r>
-              <a:rPr lang="ru-RU" sz="2000" dirty="0">
-                <a:solidFill>
-                  <a:schemeClr val="bg1"/>
-                </a:solidFill>
+              <a:rPr lang="ru-RU" sz="2400" dirty="0">
+                <a:solidFill>
+                  <a:schemeClr val="bg1"/>
+                </a:solidFill>
+                <a:latin typeface="Rubuk"/>
               </a:rPr>
               <a:t>авторизации на </a:t>
             </a:r>
             <a:r>
-              <a:rPr lang="en-US" sz="2000" dirty="0" err="1">
-                <a:solidFill>
-                  <a:schemeClr val="bg1"/>
-                </a:solidFill>
+              <a:rPr lang="en-US" sz="2400" dirty="0" err="1">
+                <a:solidFill>
+                  <a:schemeClr val="bg1"/>
+                </a:solidFill>
+                <a:latin typeface="Rubuk"/>
               </a:rPr>
               <a:t>localStorage</a:t>
             </a:r>
             <a:r>
-              <a:rPr lang="en-US" sz="2000" dirty="0">
-                <a:solidFill>
-                  <a:schemeClr val="bg1"/>
-                </a:solidFill>
+              <a:rPr lang="en-US" sz="2400" dirty="0">
+                <a:solidFill>
+                  <a:schemeClr val="bg1"/>
+                </a:solidFill>
+                <a:latin typeface="Rubuk"/>
               </a:rPr>
               <a:t> </a:t>
             </a:r>
             <a:r>
-              <a:rPr lang="ru-RU" sz="2000" dirty="0">
-                <a:solidFill>
-                  <a:schemeClr val="bg1"/>
-                </a:solidFill>
+              <a:rPr lang="ru-RU" sz="2400" dirty="0">
+                <a:solidFill>
+                  <a:schemeClr val="bg1"/>
+                </a:solidFill>
+                <a:latin typeface="Rubuk"/>
               </a:rPr>
               <a:t>через </a:t>
             </a:r>
             <a:r>
-              <a:rPr lang="en-US" sz="2000" dirty="0">
-                <a:solidFill>
-                  <a:schemeClr val="bg1"/>
-                </a:solidFill>
+              <a:rPr lang="en-US" sz="2400" dirty="0">
+                <a:solidFill>
+                  <a:schemeClr val="bg1"/>
+                </a:solidFill>
+                <a:latin typeface="Rubuk"/>
               </a:rPr>
               <a:t>JS</a:t>
             </a:r>
           </a:p>
           <a:p>
             <a:r>
-              <a:rPr lang="ru-RU" sz="2000" dirty="0">
-                <a:solidFill>
-                  <a:schemeClr val="bg1"/>
-                </a:solidFill>
+              <a:rPr lang="ru-RU" sz="2400" dirty="0">
+                <a:solidFill>
+                  <a:schemeClr val="bg1"/>
+                </a:solidFill>
+                <a:latin typeface="Rubuk"/>
               </a:rPr>
               <a:t>Разработка функционала модальных окон для прочтения новостей</a:t>
             </a:r>
           </a:p>
           <a:p>
             <a:r>
-              <a:rPr lang="ru-RU" sz="2000" dirty="0">
-                <a:solidFill>
-                  <a:schemeClr val="bg1"/>
-                </a:solidFill>
+              <a:rPr lang="ru-RU" sz="2400" dirty="0">
+                <a:solidFill>
+                  <a:schemeClr val="bg1"/>
+                </a:solidFill>
+                <a:latin typeface="Rubuk"/>
               </a:rPr>
               <a:t>Разработка функционала добавления новостей на сайт</a:t>
             </a:r>
@@ -4558,7 +5619,7 @@
         </p:nvSpPr>
         <p:spPr>
           <a:xfrm>
-            <a:off x="838199" y="2816"/>
+            <a:off x="838200" y="0"/>
             <a:ext cx="10515600" cy="1325563"/>
           </a:xfrm>
         </p:spPr>
@@ -4574,20 +5635,20 @@
                 <a:solidFill>
                   <a:schemeClr val="bg1"/>
                 </a:solidFill>
-                <a:latin typeface="Rubuk"/>
+                <a:latin typeface="Rubik" panose="02000604000000020004" pitchFamily="2" charset="-79"/>
                 <a:cs typeface="Rubik" panose="02000604000000020004" pitchFamily="2" charset="-79"/>
               </a:rPr>
-              <a:t>Архитектура сайта</a:t>
+              <a:t>Целевая аудитория</a:t>
             </a:r>
           </a:p>
         </p:txBody>
       </p:sp>
       <p:pic>
         <p:nvPicPr>
-          <p:cNvPr id="7" name="Рисунок 6">
-            <a:extLst>
-              <a:ext uri="{FF2B5EF4-FFF2-40B4-BE49-F238E27FC236}">
-                <a16:creationId xmlns:a16="http://schemas.microsoft.com/office/drawing/2014/main" id="{9CC6D44F-7D34-0064-260C-D2E0271E23C2}"/>
+          <p:cNvPr id="4" name="Рисунок 3">
+            <a:extLst>
+              <a:ext uri="{FF2B5EF4-FFF2-40B4-BE49-F238E27FC236}">
+                <a16:creationId xmlns:a16="http://schemas.microsoft.com/office/drawing/2014/main" id="{A04656D4-B2A7-0E62-B4C3-BDFFC09A9523}"/>
               </a:ext>
             </a:extLst>
           </p:cNvPr>
@@ -4604,8 +5665,8 @@
         </p:blipFill>
         <p:spPr>
           <a:xfrm>
-            <a:off x="528637" y="1404409"/>
-            <a:ext cx="11134725" cy="5088466"/>
+            <a:off x="1828800" y="1495955"/>
+            <a:ext cx="8534400" cy="5228696"/>
           </a:xfrm>
           <a:prstGeom prst="rect">
             <a:avLst/>
@@ -4615,7 +5676,7 @@
     </p:spTree>
     <p:extLst>
       <p:ext uri="{BB962C8B-B14F-4D97-AF65-F5344CB8AC3E}">
-        <p14:creationId xmlns:p14="http://schemas.microsoft.com/office/powerpoint/2010/main" val="1921528493"/>
+        <p14:creationId xmlns:p14="http://schemas.microsoft.com/office/powerpoint/2010/main" val="4066013171"/>
       </p:ext>
     </p:extLst>
   </p:cSld>
@@ -4658,7 +5719,7 @@
           <p:cNvPr id="2" name="Заголовок 1">
             <a:extLst>
               <a:ext uri="{FF2B5EF4-FFF2-40B4-BE49-F238E27FC236}">
-                <a16:creationId xmlns:a16="http://schemas.microsoft.com/office/drawing/2014/main" id="{11ABD831-2D2E-BB61-E280-C3D78DDF28A8}"/>
+                <a16:creationId xmlns:a16="http://schemas.microsoft.com/office/drawing/2014/main" id="{E8C97895-0769-0D18-3BC6-9D6E3EAC2D04}"/>
               </a:ext>
             </a:extLst>
           </p:cNvPr>
@@ -4671,7 +5732,7 @@
         </p:nvSpPr>
         <p:spPr>
           <a:xfrm>
-            <a:off x="838200" y="0"/>
+            <a:off x="838200" y="18255"/>
             <a:ext cx="10515600" cy="1325563"/>
           </a:xfrm>
         </p:spPr>
@@ -4687,20 +5748,171 @@
                 <a:solidFill>
                   <a:schemeClr val="bg1"/>
                 </a:solidFill>
-                <a:latin typeface="Rubik" panose="02000604000000020004" pitchFamily="2" charset="-79"/>
+                <a:latin typeface="Rubuk"/>
                 <a:cs typeface="Rubik" panose="02000604000000020004" pitchFamily="2" charset="-79"/>
               </a:rPr>
-              <a:t>Целевая аудитория</a:t>
-            </a:r>
+              <a:t>Описание</a:t>
+            </a:r>
+          </a:p>
+        </p:txBody>
+      </p:sp>
+      <p:sp>
+        <p:nvSpPr>
+          <p:cNvPr id="3" name="Объект 2">
+            <a:extLst>
+              <a:ext uri="{FF2B5EF4-FFF2-40B4-BE49-F238E27FC236}">
+                <a16:creationId xmlns:a16="http://schemas.microsoft.com/office/drawing/2014/main" id="{807139FF-568F-0C1F-68DA-720239A1A133}"/>
+              </a:ext>
+            </a:extLst>
+          </p:cNvPr>
+          <p:cNvSpPr>
+            <a:spLocks noGrp="1"/>
+          </p:cNvSpPr>
+          <p:nvPr>
+            <p:ph idx="1"/>
+          </p:nvPr>
+        </p:nvSpPr>
+        <p:spPr/>
+        <p:txBody>
+          <a:bodyPr>
+            <a:normAutofit/>
+          </a:bodyPr>
+          <a:lstStyle/>
+          <a:p>
+            <a:r>
+              <a:rPr lang="ru-RU" sz="2400" dirty="0">
+                <a:solidFill>
+                  <a:schemeClr val="bg1"/>
+                </a:solidFill>
+                <a:latin typeface="Rubuk"/>
+              </a:rPr>
+              <a:t>Сайт тематики </a:t>
+            </a:r>
+            <a:r>
+              <a:rPr lang="en-US" sz="2400" dirty="0">
+                <a:solidFill>
+                  <a:schemeClr val="bg1"/>
+                </a:solidFill>
+                <a:latin typeface="Rubuk"/>
+              </a:rPr>
+              <a:t>“</a:t>
+            </a:r>
+            <a:r>
+              <a:rPr lang="ru-RU" sz="2400" dirty="0">
+                <a:solidFill>
+                  <a:schemeClr val="bg1"/>
+                </a:solidFill>
+                <a:latin typeface="Rubuk"/>
+              </a:rPr>
+              <a:t>Автомобильные новости</a:t>
+            </a:r>
+            <a:r>
+              <a:rPr lang="en-US" sz="2400" dirty="0">
+                <a:solidFill>
+                  <a:schemeClr val="bg1"/>
+                </a:solidFill>
+                <a:latin typeface="Rubuk"/>
+              </a:rPr>
+              <a:t>”</a:t>
+            </a:r>
+          </a:p>
+          <a:p>
+            <a:r>
+              <a:rPr lang="ru-RU" sz="2400" dirty="0">
+                <a:solidFill>
+                  <a:schemeClr val="bg1"/>
+                </a:solidFill>
+                <a:latin typeface="Rubuk"/>
+              </a:rPr>
+              <a:t>Имеет различные блоки</a:t>
+            </a:r>
+            <a:r>
+              <a:rPr lang="en-US" sz="2400" dirty="0">
+                <a:solidFill>
+                  <a:schemeClr val="bg1"/>
+                </a:solidFill>
+                <a:latin typeface="Rubuk"/>
+              </a:rPr>
+              <a:t>: </a:t>
+            </a:r>
+            <a:r>
+              <a:rPr lang="ru-RU" sz="2400" dirty="0">
+                <a:solidFill>
+                  <a:schemeClr val="bg1"/>
+                </a:solidFill>
+                <a:latin typeface="Rubuk"/>
+              </a:rPr>
+              <a:t>Автомобилестроение, </a:t>
+            </a:r>
+            <a:r>
+              <a:rPr lang="en-US" sz="2400" dirty="0">
+                <a:solidFill>
+                  <a:schemeClr val="bg1"/>
+                </a:solidFill>
+                <a:latin typeface="Rubuk"/>
+              </a:rPr>
+              <a:t>Formula 1, </a:t>
+            </a:r>
+            <a:r>
+              <a:rPr lang="ru-RU" sz="2400" dirty="0">
+                <a:solidFill>
+                  <a:schemeClr val="bg1"/>
+                </a:solidFill>
+                <a:latin typeface="Rubuk"/>
+              </a:rPr>
+              <a:t>Продвижение</a:t>
+            </a:r>
+            <a:r>
+              <a:rPr lang="en-US" sz="2400" dirty="0">
+                <a:solidFill>
+                  <a:schemeClr val="bg1"/>
+                </a:solidFill>
+                <a:latin typeface="Rubuk"/>
+              </a:rPr>
+              <a:t>, RDS</a:t>
+            </a:r>
+            <a:r>
+              <a:rPr lang="ru-RU" sz="2400" dirty="0">
+                <a:solidFill>
+                  <a:schemeClr val="bg1"/>
+                </a:solidFill>
+                <a:latin typeface="Rubuk"/>
+              </a:rPr>
+              <a:t>, События</a:t>
+            </a:r>
+          </a:p>
+          <a:p>
+            <a:r>
+              <a:rPr lang="ru-RU" sz="2400" dirty="0">
+                <a:solidFill>
+                  <a:schemeClr val="bg1"/>
+                </a:solidFill>
+                <a:latin typeface="Rubuk"/>
+              </a:rPr>
+              <a:t>Сайт предоставляет услуги по продвижению различным компаниям.</a:t>
+            </a:r>
+            <a:endParaRPr lang="en-US" sz="2400" dirty="0">
+              <a:solidFill>
+                <a:schemeClr val="bg1"/>
+              </a:solidFill>
+              <a:latin typeface="Rubuk"/>
+            </a:endParaRPr>
+          </a:p>
+          <a:p>
+            <a:endParaRPr lang="ru-RU" sz="2000" dirty="0">
+              <a:solidFill>
+                <a:schemeClr val="bg1"/>
+              </a:solidFill>
+            </a:endParaRPr>
           </a:p>
         </p:txBody>
       </p:sp>
       <p:pic>
         <p:nvPicPr>
-          <p:cNvPr id="4" name="Рисунок 3">
-            <a:extLst>
-              <a:ext uri="{FF2B5EF4-FFF2-40B4-BE49-F238E27FC236}">
-                <a16:creationId xmlns:a16="http://schemas.microsoft.com/office/drawing/2014/main" id="{A04656D4-B2A7-0E62-B4C3-BDFFC09A9523}"/>
+          <p:cNvPr id="7" name="Рисунок 6">
+            <a:extLst>
+              <a:ext uri="{FF2B5EF4-FFF2-40B4-BE49-F238E27FC236}">
+                <a16:creationId xmlns:a16="http://schemas.microsoft.com/office/drawing/2014/main" id="{D18083B8-7726-1A2A-48EC-BF951B421343}"/>
               </a:ext>
             </a:extLst>
           </p:cNvPr>
@@ -4717,8 +5929,8 @@
         </p:blipFill>
         <p:spPr>
           <a:xfrm>
-            <a:off x="1828800" y="1495955"/>
-            <a:ext cx="8534400" cy="5228696"/>
+            <a:off x="2339919" y="3644660"/>
+            <a:ext cx="7148610" cy="2801419"/>
           </a:xfrm>
           <a:prstGeom prst="rect">
             <a:avLst/>
@@ -4728,7 +5940,7 @@
     </p:spTree>
     <p:extLst>
       <p:ext uri="{BB962C8B-B14F-4D97-AF65-F5344CB8AC3E}">
-        <p14:creationId xmlns:p14="http://schemas.microsoft.com/office/powerpoint/2010/main" val="4066013171"/>
+        <p14:creationId xmlns:p14="http://schemas.microsoft.com/office/powerpoint/2010/main" val="559536538"/>
       </p:ext>
     </p:extLst>
   </p:cSld>
@@ -4771,7 +5983,7 @@
           <p:cNvPr id="2" name="Заголовок 1">
             <a:extLst>
               <a:ext uri="{FF2B5EF4-FFF2-40B4-BE49-F238E27FC236}">
-                <a16:creationId xmlns:a16="http://schemas.microsoft.com/office/drawing/2014/main" id="{E8C97895-0769-0D18-3BC6-9D6E3EAC2D04}"/>
+                <a16:creationId xmlns:a16="http://schemas.microsoft.com/office/drawing/2014/main" id="{340FDA80-66CD-E6C5-3D78-D97BFE04CD03}"/>
               </a:ext>
             </a:extLst>
           </p:cNvPr>
@@ -4782,12 +5994,7 @@
             <p:ph type="title"/>
           </p:nvPr>
         </p:nvSpPr>
-        <p:spPr>
-          <a:xfrm>
-            <a:off x="838200" y="18255"/>
-            <a:ext cx="10515600" cy="1325563"/>
-          </a:xfrm>
-        </p:spPr>
+        <p:spPr/>
         <p:txBody>
           <a:bodyPr>
             <a:normAutofit/>
@@ -4803,7 +6010,7 @@
                 <a:latin typeface="Rubuk"/>
                 <a:cs typeface="Rubik" panose="02000604000000020004" pitchFamily="2" charset="-79"/>
               </a:rPr>
-              <a:t>Описание</a:t>
+              <a:t>Характеристики</a:t>
             </a:r>
           </a:p>
         </p:txBody>
@@ -4813,7 +6020,7 @@
           <p:cNvPr id="3" name="Объект 2">
             <a:extLst>
               <a:ext uri="{FF2B5EF4-FFF2-40B4-BE49-F238E27FC236}">
-                <a16:creationId xmlns:a16="http://schemas.microsoft.com/office/drawing/2014/main" id="{807139FF-568F-0C1F-68DA-720239A1A133}"/>
+                <a16:creationId xmlns:a16="http://schemas.microsoft.com/office/drawing/2014/main" id="{2909472E-E3A0-3AFC-03C0-AC04ED45AF8B}"/>
               </a:ext>
             </a:extLst>
           </p:cNvPr>
@@ -4831,139 +6038,146 @@
           </a:bodyPr>
           <a:lstStyle/>
           <a:p>
+            <a:pPr marL="0" indent="0">
+              <a:buNone/>
+            </a:pPr>
+            <a:r>
+              <a:rPr lang="en-US" sz="2000" dirty="0">
+                <a:solidFill>
+                  <a:schemeClr val="bg1"/>
+                </a:solidFill>
+                <a:latin typeface="Rubuk"/>
+              </a:rPr>
+              <a:t>   </a:t>
+            </a:r>
             <a:r>
               <a:rPr lang="ru-RU" sz="2400" dirty="0">
                 <a:solidFill>
                   <a:schemeClr val="bg1"/>
                 </a:solidFill>
-              </a:rPr>
-              <a:t>Сайт автомобильных новостей </a:t>
-            </a:r>
+                <a:latin typeface="Rubuk"/>
+              </a:rPr>
+              <a:t>Используемые языки программирования:</a:t>
+            </a:r>
+          </a:p>
+          <a:p>
             <a:r>
               <a:rPr lang="en-US" sz="2400" dirty="0">
                 <a:solidFill>
                   <a:schemeClr val="bg1"/>
                 </a:solidFill>
-              </a:rPr>
-              <a:t>Alpha-News</a:t>
-            </a:r>
-          </a:p>
-          <a:p>
+                <a:latin typeface="Rubuk"/>
+              </a:rPr>
+              <a:t>HTML</a:t>
+            </a:r>
+          </a:p>
+          <a:p>
+            <a:r>
+              <a:rPr lang="en-US" sz="2400" dirty="0">
+                <a:solidFill>
+                  <a:schemeClr val="bg1"/>
+                </a:solidFill>
+                <a:latin typeface="Rubuk"/>
+              </a:rPr>
+              <a:t>CSS</a:t>
+            </a:r>
+          </a:p>
+          <a:p>
+            <a:r>
+              <a:rPr lang="en-US" sz="2400" dirty="0">
+                <a:solidFill>
+                  <a:schemeClr val="bg1"/>
+                </a:solidFill>
+                <a:latin typeface="Rubuk"/>
+              </a:rPr>
+              <a:t>JavaScript</a:t>
+            </a:r>
+          </a:p>
+          <a:p>
+            <a:pPr marL="0" indent="0">
+              <a:buNone/>
+            </a:pPr>
+            <a:r>
+              <a:rPr lang="en-US" sz="2400" dirty="0">
+                <a:solidFill>
+                  <a:schemeClr val="bg1"/>
+                </a:solidFill>
+                <a:latin typeface="Rubuk"/>
+              </a:rPr>
+              <a:t>   </a:t>
+            </a:r>
             <a:r>
               <a:rPr lang="ru-RU" sz="2400" dirty="0">
                 <a:solidFill>
                   <a:schemeClr val="bg1"/>
                 </a:solidFill>
-              </a:rPr>
-              <a:t>Имеет различные блоки</a:t>
-            </a:r>
+                <a:latin typeface="Rubuk"/>
+              </a:rPr>
+              <a:t>Используемые приложения/утилиты:</a:t>
+            </a:r>
+          </a:p>
+          <a:p>
             <a:r>
               <a:rPr lang="en-US" sz="2400" dirty="0">
                 <a:solidFill>
                   <a:schemeClr val="bg1"/>
                 </a:solidFill>
-              </a:rPr>
-              <a:t>: </a:t>
-            </a:r>
-            <a:r>
-              <a:rPr lang="ru-RU" sz="2400" dirty="0">
-                <a:solidFill>
-                  <a:schemeClr val="bg1"/>
-                </a:solidFill>
-              </a:rPr>
-              <a:t>Автомобилестроение, </a:t>
-            </a:r>
+                <a:latin typeface="Rubuk"/>
+              </a:rPr>
+              <a:t>Visual Studio Code</a:t>
+            </a:r>
+          </a:p>
+          <a:p>
             <a:r>
               <a:rPr lang="en-US" sz="2400" dirty="0">
                 <a:solidFill>
                   <a:schemeClr val="bg1"/>
                 </a:solidFill>
-              </a:rPr>
-              <a:t>Formula 1, </a:t>
-            </a:r>
-            <a:r>
-              <a:rPr lang="ru-RU" sz="2400" dirty="0">
-                <a:solidFill>
-                  <a:schemeClr val="bg1"/>
-                </a:solidFill>
-              </a:rPr>
-              <a:t>Продвижение</a:t>
-            </a:r>
+                <a:latin typeface="Rubuk"/>
+              </a:rPr>
+              <a:t>Figma</a:t>
+            </a:r>
+          </a:p>
+          <a:p>
             <a:r>
               <a:rPr lang="en-US" sz="2400" dirty="0">
                 <a:solidFill>
                   <a:schemeClr val="bg1"/>
                 </a:solidFill>
-              </a:rPr>
-              <a:t>, RDS</a:t>
-            </a:r>
-            <a:r>
-              <a:rPr lang="ru-RU" sz="2400" dirty="0">
-                <a:solidFill>
-                  <a:schemeClr val="bg1"/>
-                </a:solidFill>
-              </a:rPr>
-              <a:t>, События</a:t>
-            </a:r>
-          </a:p>
-          <a:p>
-            <a:r>
-              <a:rPr lang="ru-RU" sz="2400" dirty="0">
-                <a:solidFill>
-                  <a:schemeClr val="bg1"/>
-                </a:solidFill>
-              </a:rPr>
-              <a:t>Сайт предоставляет услуги по продвижению различным компаниям.</a:t>
-            </a:r>
-            <a:endParaRPr lang="en-US" sz="2400" dirty="0">
+                <a:latin typeface="Rubuk"/>
+              </a:rPr>
+              <a:t>Adobe Color</a:t>
+            </a:r>
+            <a:endParaRPr lang="ru-RU" sz="2400" dirty="0">
               <a:solidFill>
                 <a:schemeClr val="bg1"/>
               </a:solidFill>
+              <a:latin typeface="Rubuk"/>
             </a:endParaRPr>
           </a:p>
           <a:p>
-            <a:endParaRPr lang="ru-RU" sz="2000" dirty="0">
+            <a:r>
+              <a:rPr lang="en-US" sz="2400" dirty="0">
+                <a:solidFill>
+                  <a:schemeClr val="bg1"/>
+                </a:solidFill>
+                <a:latin typeface="Rubuk"/>
+              </a:rPr>
+              <a:t>GitHub</a:t>
+            </a:r>
+            <a:endParaRPr lang="ru-RU" sz="2400" dirty="0">
               <a:solidFill>
                 <a:schemeClr val="bg1"/>
               </a:solidFill>
+              <a:latin typeface="Rubuk"/>
             </a:endParaRPr>
           </a:p>
         </p:txBody>
       </p:sp>
-      <p:pic>
-        <p:nvPicPr>
-          <p:cNvPr id="7" name="Рисунок 6">
-            <a:extLst>
-              <a:ext uri="{FF2B5EF4-FFF2-40B4-BE49-F238E27FC236}">
-                <a16:creationId xmlns:a16="http://schemas.microsoft.com/office/drawing/2014/main" id="{D18083B8-7726-1A2A-48EC-BF951B421343}"/>
-              </a:ext>
-            </a:extLst>
-          </p:cNvPr>
-          <p:cNvPicPr>
-            <a:picLocks noChangeAspect="1"/>
-          </p:cNvPicPr>
-          <p:nvPr/>
-        </p:nvPicPr>
-        <p:blipFill>
-          <a:blip r:embed="rId2"/>
-          <a:stretch>
-            <a:fillRect/>
-          </a:stretch>
-        </p:blipFill>
-        <p:spPr>
-          <a:xfrm>
-            <a:off x="2339919" y="3644660"/>
-            <a:ext cx="7148610" cy="2801419"/>
-          </a:xfrm>
-          <a:prstGeom prst="rect">
-            <a:avLst/>
-          </a:prstGeom>
-        </p:spPr>
-      </p:pic>
     </p:spTree>
     <p:extLst>
       <p:ext uri="{BB962C8B-B14F-4D97-AF65-F5344CB8AC3E}">
-        <p14:creationId xmlns:p14="http://schemas.microsoft.com/office/powerpoint/2010/main" val="559536538"/>
+        <p14:creationId xmlns:p14="http://schemas.microsoft.com/office/powerpoint/2010/main" val="3558475370"/>
       </p:ext>
     </p:extLst>
   </p:cSld>
@@ -5006,7 +6220,7 @@
           <p:cNvPr id="2" name="Заголовок 1">
             <a:extLst>
               <a:ext uri="{FF2B5EF4-FFF2-40B4-BE49-F238E27FC236}">
-                <a16:creationId xmlns:a16="http://schemas.microsoft.com/office/drawing/2014/main" id="{340FDA80-66CD-E6C5-3D78-D97BFE04CD03}"/>
+                <a16:creationId xmlns:a16="http://schemas.microsoft.com/office/drawing/2014/main" id="{8C374954-363E-05D2-5BD6-387B3F567486}"/>
               </a:ext>
             </a:extLst>
           </p:cNvPr>
@@ -5026,6 +6240,16 @@
           <a:p>
             <a:pPr algn="ctr"/>
             <a:r>
+              <a:rPr lang="en-US" sz="3600" dirty="0">
+                <a:solidFill>
+                  <a:schemeClr val="bg1"/>
+                </a:solidFill>
+                <a:latin typeface="Rubuk"/>
+                <a:cs typeface="Rubik" panose="02000604000000020004" pitchFamily="2" charset="-79"/>
+              </a:rPr>
+              <a:t>Idef0-</a:t>
+            </a:r>
+            <a:r>
               <a:rPr lang="ru-RU" sz="3600" dirty="0">
                 <a:solidFill>
                   <a:schemeClr val="bg1"/>
@@ -5033,169 +6257,74 @@
                 <a:latin typeface="Rubuk"/>
                 <a:cs typeface="Rubik" panose="02000604000000020004" pitchFamily="2" charset="-79"/>
               </a:rPr>
-              <a:t>Характеристики</a:t>
-            </a:r>
-          </a:p>
-        </p:txBody>
-      </p:sp>
-      <p:sp>
-        <p:nvSpPr>
-          <p:cNvPr id="3" name="Объект 2">
-            <a:extLst>
-              <a:ext uri="{FF2B5EF4-FFF2-40B4-BE49-F238E27FC236}">
-                <a16:creationId xmlns:a16="http://schemas.microsoft.com/office/drawing/2014/main" id="{2909472E-E3A0-3AFC-03C0-AC04ED45AF8B}"/>
-              </a:ext>
-            </a:extLst>
-          </p:cNvPr>
-          <p:cNvSpPr>
-            <a:spLocks noGrp="1"/>
-          </p:cNvSpPr>
+              <a:t>диаграмма</a:t>
+            </a:r>
+          </a:p>
+        </p:txBody>
+      </p:sp>
+      <p:pic>
+        <p:nvPicPr>
+          <p:cNvPr id="6" name="Объект 5">
+            <a:extLst>
+              <a:ext uri="{FF2B5EF4-FFF2-40B4-BE49-F238E27FC236}">
+                <a16:creationId xmlns:a16="http://schemas.microsoft.com/office/drawing/2014/main" id="{6D9645FF-60DA-B48B-EFEA-76D152FD33AB}"/>
+              </a:ext>
+            </a:extLst>
+          </p:cNvPr>
+          <p:cNvPicPr>
+            <a:picLocks noGrp="1" noChangeAspect="1"/>
+          </p:cNvPicPr>
           <p:nvPr>
             <p:ph idx="1"/>
           </p:nvPr>
-        </p:nvSpPr>
-        <p:spPr/>
-        <p:txBody>
-          <a:bodyPr>
-            <a:normAutofit/>
+        </p:nvPicPr>
+        <p:blipFill>
+          <a:blip r:embed="rId2"/>
+          <a:stretch>
+            <a:fillRect/>
+          </a:stretch>
+        </p:blipFill>
+        <p:spPr>
+          <a:xfrm>
+            <a:off x="838200" y="1825625"/>
+            <a:ext cx="10515600" cy="4351338"/>
+          </a:xfrm>
+        </p:spPr>
+      </p:pic>
+      <p:sp>
+        <p:nvSpPr>
+          <p:cNvPr id="5" name="TextBox 4">
+            <a:extLst>
+              <a:ext uri="{FF2B5EF4-FFF2-40B4-BE49-F238E27FC236}">
+                <a16:creationId xmlns:a16="http://schemas.microsoft.com/office/drawing/2014/main" id="{C33B2888-FC88-839B-2440-58972FDFB91A}"/>
+              </a:ext>
+            </a:extLst>
+          </p:cNvPr>
+          <p:cNvSpPr txBox="1"/>
+          <p:nvPr/>
+        </p:nvSpPr>
+        <p:spPr>
+          <a:xfrm>
+            <a:off x="838200" y="5569545"/>
+            <a:ext cx="7046343" cy="369332"/>
+          </a:xfrm>
+          <a:prstGeom prst="rect">
+            <a:avLst/>
+          </a:prstGeom>
+          <a:noFill/>
+        </p:spPr>
+        <p:txBody>
+          <a:bodyPr wrap="square">
+            <a:spAutoFit/>
           </a:bodyPr>
           <a:lstStyle/>
           <a:p>
-            <a:pPr marL="0" indent="0">
-              <a:buNone/>
-            </a:pPr>
-            <a:r>
-              <a:rPr lang="en-US" sz="2000" dirty="0">
-                <a:solidFill>
-                  <a:schemeClr val="bg1"/>
-                </a:solidFill>
-              </a:rPr>
-              <a:t>   </a:t>
-            </a:r>
-            <a:r>
-              <a:rPr lang="ru-RU" sz="2400" dirty="0">
-                <a:solidFill>
-                  <a:schemeClr val="bg1"/>
-                </a:solidFill>
-              </a:rPr>
-              <a:t>Используемые языки </a:t>
-            </a:r>
-            <a:r>
-              <a:rPr lang="ru-RU" sz="2400" dirty="0" err="1">
-                <a:solidFill>
-                  <a:schemeClr val="bg1"/>
-                </a:solidFill>
-              </a:rPr>
-              <a:t>програмирования</a:t>
-            </a:r>
-            <a:r>
-              <a:rPr lang="ru-RU" sz="2400" dirty="0">
-                <a:solidFill>
-                  <a:schemeClr val="bg1"/>
-                </a:solidFill>
-              </a:rPr>
-              <a:t>:</a:t>
-            </a:r>
-          </a:p>
-          <a:p>
-            <a:r>
-              <a:rPr lang="en-US" sz="2400" dirty="0">
-                <a:solidFill>
-                  <a:schemeClr val="bg1"/>
-                </a:solidFill>
-              </a:rPr>
-              <a:t>HTML</a:t>
-            </a:r>
-          </a:p>
-          <a:p>
-            <a:r>
-              <a:rPr lang="en-US" sz="2400" dirty="0">
-                <a:solidFill>
-                  <a:schemeClr val="bg1"/>
-                </a:solidFill>
-              </a:rPr>
-              <a:t>CSS</a:t>
-            </a:r>
-          </a:p>
-          <a:p>
-            <a:r>
-              <a:rPr lang="en-US" sz="2400" dirty="0">
-                <a:solidFill>
-                  <a:schemeClr val="bg1"/>
-                </a:solidFill>
-              </a:rPr>
-              <a:t>JavaScript</a:t>
-            </a:r>
-          </a:p>
-          <a:p>
-            <a:pPr marL="0" indent="0">
-              <a:buNone/>
-            </a:pPr>
-            <a:r>
-              <a:rPr lang="en-US" sz="2400" dirty="0">
-                <a:solidFill>
-                  <a:schemeClr val="bg1"/>
-                </a:solidFill>
-              </a:rPr>
-              <a:t>   </a:t>
-            </a:r>
-            <a:r>
-              <a:rPr lang="ru-RU" sz="2400" dirty="0">
-                <a:solidFill>
-                  <a:schemeClr val="bg1"/>
-                </a:solidFill>
-              </a:rPr>
-              <a:t>Используемые приложения/утилиты:</a:t>
-            </a:r>
-          </a:p>
-          <a:p>
-            <a:r>
-              <a:rPr lang="en-US" sz="2400" dirty="0">
-                <a:solidFill>
-                  <a:schemeClr val="bg1"/>
-                </a:solidFill>
-              </a:rPr>
-              <a:t>Visual Studio Code</a:t>
-            </a:r>
-          </a:p>
-          <a:p>
-            <a:r>
-              <a:rPr lang="en-US" sz="2400" dirty="0">
-                <a:solidFill>
-                  <a:schemeClr val="bg1"/>
-                </a:solidFill>
-              </a:rPr>
-              <a:t>Figma</a:t>
-            </a:r>
-          </a:p>
-          <a:p>
-            <a:r>
-              <a:rPr lang="en-US" sz="2400" dirty="0">
-                <a:solidFill>
-                  <a:schemeClr val="bg1"/>
-                </a:solidFill>
-              </a:rPr>
-              <a:t>Adobe Color</a:t>
-            </a:r>
-            <a:endParaRPr lang="ru-RU" sz="2400" dirty="0">
+            <a:endParaRPr lang="ru-RU" sz="1800" dirty="0">
               <a:solidFill>
                 <a:schemeClr val="bg1"/>
               </a:solidFill>
-            </a:endParaRPr>
-          </a:p>
-          <a:p>
-            <a:r>
-              <a:rPr lang="en-US" sz="2400" dirty="0">
-                <a:solidFill>
-                  <a:schemeClr val="bg1"/>
-                </a:solidFill>
-              </a:rPr>
-              <a:t>GitHub</a:t>
-            </a:r>
-            <a:endParaRPr lang="ru-RU" sz="2400" dirty="0">
-              <a:solidFill>
-                <a:schemeClr val="bg1"/>
-              </a:solidFill>
+              <a:latin typeface="Rubuk"/>
+              <a:cs typeface="Rubik" panose="02000604000000020004"/>
             </a:endParaRPr>
           </a:p>
         </p:txBody>
@@ -5203,7 +6332,7 @@
     </p:spTree>
     <p:extLst>
       <p:ext uri="{BB962C8B-B14F-4D97-AF65-F5344CB8AC3E}">
-        <p14:creationId xmlns:p14="http://schemas.microsoft.com/office/powerpoint/2010/main" val="3558475370"/>
+        <p14:creationId xmlns:p14="http://schemas.microsoft.com/office/powerpoint/2010/main" val="2481980147"/>
       </p:ext>
     </p:extLst>
   </p:cSld>
@@ -5246,7 +6375,7 @@
           <p:cNvPr id="2" name="Заголовок 1">
             <a:extLst>
               <a:ext uri="{FF2B5EF4-FFF2-40B4-BE49-F238E27FC236}">
-                <a16:creationId xmlns:a16="http://schemas.microsoft.com/office/drawing/2014/main" id="{B3D49024-3945-2145-8E10-3FDAB09060CF}"/>
+                <a16:creationId xmlns:a16="http://schemas.microsoft.com/office/drawing/2014/main" id="{8C374954-363E-05D2-5BD6-387B3F567486}"/>
               </a:ext>
             </a:extLst>
           </p:cNvPr>
@@ -5266,6 +6395,16 @@
           <a:p>
             <a:pPr algn="ctr"/>
             <a:r>
+              <a:rPr lang="en-US" sz="3600" dirty="0">
+                <a:solidFill>
+                  <a:schemeClr val="bg1"/>
+                </a:solidFill>
+                <a:latin typeface="Rubuk"/>
+                <a:cs typeface="Rubik" panose="02000604000000020004" pitchFamily="2" charset="-79"/>
+              </a:rPr>
+              <a:t>Idef0-</a:t>
+            </a:r>
+            <a:r>
               <a:rPr lang="ru-RU" sz="3600" dirty="0">
                 <a:solidFill>
                   <a:schemeClr val="bg1"/>
@@ -5273,120 +6412,132 @@
                 <a:latin typeface="Rubuk"/>
                 <a:cs typeface="Rubik" panose="02000604000000020004" pitchFamily="2" charset="-79"/>
               </a:rPr>
-              <a:t>Плюсы и Минусы</a:t>
-            </a:r>
-          </a:p>
-        </p:txBody>
-      </p:sp>
-      <p:sp>
-        <p:nvSpPr>
-          <p:cNvPr id="3" name="Объект 2">
-            <a:extLst>
-              <a:ext uri="{FF2B5EF4-FFF2-40B4-BE49-F238E27FC236}">
-                <a16:creationId xmlns:a16="http://schemas.microsoft.com/office/drawing/2014/main" id="{245BCEC6-BA7D-A0A2-81D3-C847D97909BC}"/>
-              </a:ext>
-            </a:extLst>
-          </p:cNvPr>
-          <p:cNvSpPr>
-            <a:spLocks noGrp="1"/>
-          </p:cNvSpPr>
+              <a:t>диаграмма</a:t>
+            </a:r>
+            <a:r>
+              <a:rPr lang="en-US" sz="3600" dirty="0">
+                <a:solidFill>
+                  <a:schemeClr val="bg1"/>
+                </a:solidFill>
+                <a:latin typeface="Rubuk"/>
+                <a:cs typeface="Rubik" panose="02000604000000020004" pitchFamily="2" charset="-79"/>
+              </a:rPr>
+              <a:t>. </a:t>
+            </a:r>
+            <a:r>
+              <a:rPr lang="ru-RU" sz="3600" dirty="0">
+                <a:solidFill>
+                  <a:schemeClr val="bg1"/>
+                </a:solidFill>
+                <a:latin typeface="Rubuk"/>
+                <a:cs typeface="Rubik" panose="02000604000000020004" pitchFamily="2" charset="-79"/>
+              </a:rPr>
+              <a:t>Декомпозиция</a:t>
+            </a:r>
+          </a:p>
+        </p:txBody>
+      </p:sp>
+      <p:pic>
+        <p:nvPicPr>
+          <p:cNvPr id="6" name="Объект 5">
+            <a:extLst>
+              <a:ext uri="{FF2B5EF4-FFF2-40B4-BE49-F238E27FC236}">
+                <a16:creationId xmlns:a16="http://schemas.microsoft.com/office/drawing/2014/main" id="{6D9645FF-60DA-B48B-EFEA-76D152FD33AB}"/>
+              </a:ext>
+            </a:extLst>
+          </p:cNvPr>
+          <p:cNvPicPr>
+            <a:picLocks noGrp="1" noChangeAspect="1"/>
+          </p:cNvPicPr>
           <p:nvPr>
             <p:ph idx="1"/>
           </p:nvPr>
-        </p:nvSpPr>
-        <p:spPr/>
-        <p:txBody>
-          <a:bodyPr>
-            <a:normAutofit/>
+        </p:nvPicPr>
+        <p:blipFill>
+          <a:blip r:embed="rId2"/>
+          <a:stretch>
+            <a:fillRect/>
+          </a:stretch>
+        </p:blipFill>
+        <p:spPr>
+          <a:xfrm>
+            <a:off x="838200" y="1825625"/>
+            <a:ext cx="10515600" cy="4351338"/>
+          </a:xfrm>
+        </p:spPr>
+      </p:pic>
+      <p:sp>
+        <p:nvSpPr>
+          <p:cNvPr id="5" name="TextBox 4">
+            <a:extLst>
+              <a:ext uri="{FF2B5EF4-FFF2-40B4-BE49-F238E27FC236}">
+                <a16:creationId xmlns:a16="http://schemas.microsoft.com/office/drawing/2014/main" id="{C33B2888-FC88-839B-2440-58972FDFB91A}"/>
+              </a:ext>
+            </a:extLst>
+          </p:cNvPr>
+          <p:cNvSpPr txBox="1"/>
+          <p:nvPr/>
+        </p:nvSpPr>
+        <p:spPr>
+          <a:xfrm>
+            <a:off x="838200" y="5569545"/>
+            <a:ext cx="7046343" cy="369332"/>
+          </a:xfrm>
+          <a:prstGeom prst="rect">
+            <a:avLst/>
+          </a:prstGeom>
+          <a:noFill/>
+        </p:spPr>
+        <p:txBody>
+          <a:bodyPr wrap="square">
+            <a:spAutoFit/>
           </a:bodyPr>
           <a:lstStyle/>
           <a:p>
-            <a:pPr marL="0" indent="0">
-              <a:buNone/>
-            </a:pPr>
-            <a:r>
-              <a:rPr lang="ru-RU" sz="2400" dirty="0">
-                <a:solidFill>
-                  <a:schemeClr val="bg1"/>
-                </a:solidFill>
-              </a:rPr>
-              <a:t>Плюсы:</a:t>
-            </a:r>
-          </a:p>
-          <a:p>
-            <a:r>
-              <a:rPr lang="ru-RU" sz="2400" dirty="0">
-                <a:solidFill>
-                  <a:schemeClr val="bg1"/>
-                </a:solidFill>
-              </a:rPr>
-              <a:t>Удобство покупки услуг продвижения.</a:t>
-            </a:r>
-          </a:p>
-          <a:p>
-            <a:r>
-              <a:rPr lang="ru-RU" sz="2400" dirty="0">
-                <a:solidFill>
-                  <a:schemeClr val="bg1"/>
-                </a:solidFill>
-              </a:rPr>
-              <a:t>Гарантированный прирост посетителей, просмотров.</a:t>
-            </a:r>
-          </a:p>
-          <a:p>
-            <a:r>
-              <a:rPr lang="ru-RU" sz="2400" dirty="0">
-                <a:solidFill>
-                  <a:schemeClr val="bg1"/>
-                </a:solidFill>
-              </a:rPr>
-              <a:t>Грамотно подобранная цветовая палитра.</a:t>
-            </a:r>
-          </a:p>
-          <a:p>
-            <a:pPr marL="0" indent="0">
-              <a:buNone/>
-            </a:pPr>
-            <a:r>
-              <a:rPr lang="ru-RU" sz="2400" dirty="0">
-                <a:solidFill>
-                  <a:schemeClr val="bg1"/>
-                </a:solidFill>
-              </a:rPr>
-              <a:t>Минусы:</a:t>
-            </a:r>
-          </a:p>
-          <a:p>
-            <a:r>
-              <a:rPr lang="ru-RU" sz="2400" dirty="0">
-                <a:solidFill>
-                  <a:schemeClr val="bg1"/>
-                </a:solidFill>
-              </a:rPr>
-              <a:t>Смотреть новости можно не бесконечно, список не обновляется</a:t>
-            </a:r>
-            <a:endParaRPr lang="en-US" sz="2400" dirty="0">
+            <a:endParaRPr lang="ru-RU" sz="1800" dirty="0">
               <a:solidFill>
                 <a:schemeClr val="bg1"/>
               </a:solidFill>
+              <a:latin typeface="Rubuk"/>
+              <a:cs typeface="Rubik" panose="02000604000000020004"/>
             </a:endParaRPr>
           </a:p>
-          <a:p>
-            <a:r>
-              <a:rPr lang="ru-RU" sz="2400" dirty="0">
-                <a:solidFill>
-                  <a:schemeClr val="bg1"/>
-                </a:solidFill>
-              </a:rPr>
-              <a:t>Отсутствует база данных для регистрации и авторизации</a:t>
-            </a:r>
-          </a:p>
-        </p:txBody>
-      </p:sp>
+        </p:txBody>
+      </p:sp>
+      <p:pic>
+        <p:nvPicPr>
+          <p:cNvPr id="4" name="Рисунок 3">
+            <a:extLst>
+              <a:ext uri="{FF2B5EF4-FFF2-40B4-BE49-F238E27FC236}">
+                <a16:creationId xmlns:a16="http://schemas.microsoft.com/office/drawing/2014/main" id="{9AA190F0-EB96-095A-90F3-CAD67C99E800}"/>
+              </a:ext>
+            </a:extLst>
+          </p:cNvPr>
+          <p:cNvPicPr>
+            <a:picLocks noChangeAspect="1"/>
+          </p:cNvPicPr>
+          <p:nvPr/>
+        </p:nvPicPr>
+        <p:blipFill>
+          <a:blip r:embed="rId3"/>
+          <a:stretch>
+            <a:fillRect/>
+          </a:stretch>
+        </p:blipFill>
+        <p:spPr>
+          <a:xfrm>
+            <a:off x="838200" y="1825625"/>
+            <a:ext cx="10515599" cy="4351337"/>
+          </a:xfrm>
+          <a:prstGeom prst="rect">
+            <a:avLst/>
+          </a:prstGeom>
+        </p:spPr>
+      </p:pic>
     </p:spTree>
     <p:extLst>
       <p:ext uri="{BB962C8B-B14F-4D97-AF65-F5344CB8AC3E}">
-        <p14:creationId xmlns:p14="http://schemas.microsoft.com/office/powerpoint/2010/main" val="2158804929"/>
+        <p14:creationId xmlns:p14="http://schemas.microsoft.com/office/powerpoint/2010/main" val="3413861872"/>
       </p:ext>
     </p:extLst>
   </p:cSld>
@@ -5453,71 +6604,145 @@
                 <a:solidFill>
                   <a:schemeClr val="bg1"/>
                 </a:solidFill>
-                <a:latin typeface="Rubik" panose="02000604000000020004" pitchFamily="2" charset="-79"/>
+                <a:latin typeface="Rubuk"/>
                 <a:cs typeface="Rubik" panose="02000604000000020004" pitchFamily="2" charset="-79"/>
               </a:rPr>
-              <a:t>Вывод</a:t>
-            </a:r>
-          </a:p>
-        </p:txBody>
-      </p:sp>
-      <p:sp>
-        <p:nvSpPr>
-          <p:cNvPr id="3" name="Объект 2">
-            <a:extLst>
-              <a:ext uri="{FF2B5EF4-FFF2-40B4-BE49-F238E27FC236}">
-                <a16:creationId xmlns:a16="http://schemas.microsoft.com/office/drawing/2014/main" id="{2829555D-D800-4372-EE96-794717F81586}"/>
-              </a:ext>
-            </a:extLst>
-          </p:cNvPr>
-          <p:cNvSpPr>
-            <a:spLocks noGrp="1"/>
-          </p:cNvSpPr>
+              <a:t>Блок-схема окна регистрации</a:t>
+            </a:r>
+          </a:p>
+        </p:txBody>
+      </p:sp>
+      <p:pic>
+        <p:nvPicPr>
+          <p:cNvPr id="6" name="Объект 5">
+            <a:extLst>
+              <a:ext uri="{FF2B5EF4-FFF2-40B4-BE49-F238E27FC236}">
+                <a16:creationId xmlns:a16="http://schemas.microsoft.com/office/drawing/2014/main" id="{6D9645FF-60DA-B48B-EFEA-76D152FD33AB}"/>
+              </a:ext>
+            </a:extLst>
+          </p:cNvPr>
+          <p:cNvPicPr>
+            <a:picLocks noGrp="1" noChangeAspect="1"/>
+          </p:cNvPicPr>
           <p:nvPr>
             <p:ph idx="1"/>
           </p:nvPr>
-        </p:nvSpPr>
-        <p:spPr/>
-        <p:txBody>
-          <a:bodyPr>
-            <a:normAutofit/>
+        </p:nvPicPr>
+        <p:blipFill>
+          <a:blip r:embed="rId2"/>
+          <a:stretch>
+            <a:fillRect/>
+          </a:stretch>
+        </p:blipFill>
+        <p:spPr>
+          <a:xfrm>
+            <a:off x="838200" y="1825625"/>
+            <a:ext cx="10515600" cy="4351338"/>
+          </a:xfrm>
+        </p:spPr>
+      </p:pic>
+      <p:sp>
+        <p:nvSpPr>
+          <p:cNvPr id="5" name="TextBox 4">
+            <a:extLst>
+              <a:ext uri="{FF2B5EF4-FFF2-40B4-BE49-F238E27FC236}">
+                <a16:creationId xmlns:a16="http://schemas.microsoft.com/office/drawing/2014/main" id="{C33B2888-FC88-839B-2440-58972FDFB91A}"/>
+              </a:ext>
+            </a:extLst>
+          </p:cNvPr>
+          <p:cNvSpPr txBox="1"/>
+          <p:nvPr/>
+        </p:nvSpPr>
+        <p:spPr>
+          <a:xfrm>
+            <a:off x="838200" y="5569545"/>
+            <a:ext cx="7046343" cy="369332"/>
+          </a:xfrm>
+          <a:prstGeom prst="rect">
+            <a:avLst/>
+          </a:prstGeom>
+          <a:noFill/>
+        </p:spPr>
+        <p:txBody>
+          <a:bodyPr wrap="square">
+            <a:spAutoFit/>
           </a:bodyPr>
           <a:lstStyle/>
           <a:p>
-            <a:pPr marL="0" indent="0">
-              <a:buNone/>
-            </a:pPr>
-            <a:r>
-              <a:rPr lang="ru-RU" sz="2400" dirty="0">
-                <a:solidFill>
-                  <a:schemeClr val="bg1"/>
-                </a:solidFill>
-              </a:rPr>
-              <a:t>	Все поставленные перед собой задачи были выполнены. На выходе я получил тот результат, которого и хотел достичь. Этот проект выполнен не без ошибок, он помог мне увидеть и распознать свои слабые стороны в сфере разработки и проектирования. Были укреплены знания в области программирования, знания в области </a:t>
-            </a:r>
-            <a:r>
-              <a:rPr lang="en-US" sz="2400" dirty="0">
-                <a:solidFill>
-                  <a:schemeClr val="bg1"/>
-                </a:solidFill>
-              </a:rPr>
-              <a:t>Java Script</a:t>
-            </a:r>
-            <a:r>
-              <a:rPr lang="ru-RU" sz="2400" dirty="0">
-                <a:solidFill>
-                  <a:schemeClr val="bg1"/>
-                </a:solidFill>
-              </a:rPr>
-              <a:t>, было проведено множество экспериментов с применением различных методов для реализации функционала.</a:t>
-            </a:r>
-          </a:p>
-        </p:txBody>
-      </p:sp>
+            <a:endParaRPr lang="ru-RU" sz="1800" dirty="0">
+              <a:solidFill>
+                <a:schemeClr val="bg1"/>
+              </a:solidFill>
+              <a:latin typeface="Rubuk"/>
+              <a:cs typeface="Rubik" panose="02000604000000020004"/>
+            </a:endParaRPr>
+          </a:p>
+        </p:txBody>
+      </p:sp>
+      <p:pic>
+        <p:nvPicPr>
+          <p:cNvPr id="4" name="Рисунок 3">
+            <a:extLst>
+              <a:ext uri="{FF2B5EF4-FFF2-40B4-BE49-F238E27FC236}">
+                <a16:creationId xmlns:a16="http://schemas.microsoft.com/office/drawing/2014/main" id="{9AA190F0-EB96-095A-90F3-CAD67C99E800}"/>
+              </a:ext>
+            </a:extLst>
+          </p:cNvPr>
+          <p:cNvPicPr>
+            <a:picLocks noChangeAspect="1"/>
+          </p:cNvPicPr>
+          <p:nvPr/>
+        </p:nvPicPr>
+        <p:blipFill>
+          <a:blip r:embed="rId3"/>
+          <a:stretch>
+            <a:fillRect/>
+          </a:stretch>
+        </p:blipFill>
+        <p:spPr>
+          <a:xfrm>
+            <a:off x="838200" y="1825625"/>
+            <a:ext cx="10515599" cy="4351337"/>
+          </a:xfrm>
+          <a:prstGeom prst="rect">
+            <a:avLst/>
+          </a:prstGeom>
+        </p:spPr>
+      </p:pic>
+      <p:pic>
+        <p:nvPicPr>
+          <p:cNvPr id="7" name="Рисунок 6">
+            <a:extLst>
+              <a:ext uri="{FF2B5EF4-FFF2-40B4-BE49-F238E27FC236}">
+                <a16:creationId xmlns:a16="http://schemas.microsoft.com/office/drawing/2014/main" id="{B2ACB5DB-1897-701A-6ECF-58881E85A84B}"/>
+              </a:ext>
+            </a:extLst>
+          </p:cNvPr>
+          <p:cNvPicPr>
+            <a:picLocks noChangeAspect="1"/>
+          </p:cNvPicPr>
+          <p:nvPr/>
+        </p:nvPicPr>
+        <p:blipFill>
+          <a:blip r:embed="rId4"/>
+          <a:stretch>
+            <a:fillRect/>
+          </a:stretch>
+        </p:blipFill>
+        <p:spPr>
+          <a:xfrm>
+            <a:off x="838199" y="1825624"/>
+            <a:ext cx="10515600" cy="4327526"/>
+          </a:xfrm>
+          <a:prstGeom prst="rect">
+            <a:avLst/>
+          </a:prstGeom>
+        </p:spPr>
+      </p:pic>
     </p:spTree>
     <p:extLst>
       <p:ext uri="{BB962C8B-B14F-4D97-AF65-F5344CB8AC3E}">
-        <p14:creationId xmlns:p14="http://schemas.microsoft.com/office/powerpoint/2010/main" val="2825360736"/>
+        <p14:creationId xmlns:p14="http://schemas.microsoft.com/office/powerpoint/2010/main" val="3680680054"/>
       </p:ext>
     </p:extLst>
   </p:cSld>
